--- a/04.dubbo_demo/document/dubbo源码分析2-refreence bean发起调用.pptx
+++ b/04.dubbo_demo/document/dubbo源码分析2-refreence bean发起调用.pptx
@@ -5,10 +5,10 @@
     <p:sldMasterId id="2147483648" r:id="rId1"/>
   </p:sldMasterIdLst>
   <p:notesMasterIdLst>
-    <p:notesMasterId r:id="rId10"/>
+    <p:notesMasterId r:id="rId19"/>
   </p:notesMasterIdLst>
   <p:handoutMasterIdLst>
-    <p:handoutMasterId r:id="rId11"/>
+    <p:handoutMasterId r:id="rId20"/>
   </p:handoutMasterIdLst>
   <p:sldIdLst>
     <p:sldId id="258" r:id="rId2"/>
@@ -16,9 +16,18 @@
     <p:sldId id="267" r:id="rId4"/>
     <p:sldId id="269" r:id="rId5"/>
     <p:sldId id="270" r:id="rId6"/>
-    <p:sldId id="272" r:id="rId7"/>
-    <p:sldId id="273" r:id="rId8"/>
-    <p:sldId id="271" r:id="rId9"/>
+    <p:sldId id="274" r:id="rId7"/>
+    <p:sldId id="277" r:id="rId8"/>
+    <p:sldId id="278" r:id="rId9"/>
+    <p:sldId id="275" r:id="rId10"/>
+    <p:sldId id="279" r:id="rId11"/>
+    <p:sldId id="280" r:id="rId12"/>
+    <p:sldId id="276" r:id="rId13"/>
+    <p:sldId id="281" r:id="rId14"/>
+    <p:sldId id="282" r:id="rId15"/>
+    <p:sldId id="272" r:id="rId16"/>
+    <p:sldId id="273" r:id="rId17"/>
+    <p:sldId id="271" r:id="rId18"/>
   </p:sldIdLst>
   <p:sldSz cx="9144000" cy="6858000" type="screen4x3"/>
   <p:notesSz cx="6858000" cy="9144000"/>
@@ -202,7 +211,7 @@
           <a:p>
             <a:fld id="{A24470EC-9BB2-47C0-BC15-E1BE469E1A44}" type="datetimeFigureOut">
               <a:rPr lang="zh-CN" altLang="en-US" smtClean="0"/>
-              <a:t>2016/9/3</a:t>
+              <a:t>2016/9/7</a:t>
             </a:fld>
             <a:endParaRPr lang="zh-CN" altLang="en-US"/>
           </a:p>
@@ -367,7 +376,7 @@
           <a:p>
             <a:fld id="{CBBF4566-D28E-4F21-9CA6-C92C78680512}" type="datetimeFigureOut">
               <a:rPr lang="zh-CN" altLang="en-US" smtClean="0"/>
-              <a:t>2016/9/3</a:t>
+              <a:t>2016/9/7</a:t>
             </a:fld>
             <a:endParaRPr lang="zh-CN" altLang="en-US"/>
           </a:p>
@@ -820,7 +829,7 @@
           <a:p>
             <a:fld id="{FE514A0D-6246-45A0-AFCD-05CB06E3D75A}" type="datetime1">
               <a:rPr lang="zh-CN" altLang="en-US" smtClean="0"/>
-              <a:t>2016/9/3</a:t>
+              <a:t>2016/9/7</a:t>
             </a:fld>
             <a:endParaRPr lang="zh-CN" altLang="en-US" dirty="0"/>
           </a:p>
@@ -985,7 +994,7 @@
           <a:p>
             <a:fld id="{AE5463FA-5733-4E22-A176-CA0F8E59A78F}" type="datetime1">
               <a:rPr lang="zh-CN" altLang="en-US" smtClean="0"/>
-              <a:t>2016/9/3</a:t>
+              <a:t>2016/9/7</a:t>
             </a:fld>
             <a:endParaRPr lang="zh-CN" altLang="en-US"/>
           </a:p>
@@ -1160,7 +1169,7 @@
           <a:p>
             <a:fld id="{AB202E1E-E171-4D05-9995-782F74FA70A7}" type="datetime1">
               <a:rPr lang="zh-CN" altLang="en-US" smtClean="0"/>
-              <a:t>2016/9/3</a:t>
+              <a:t>2016/9/7</a:t>
             </a:fld>
             <a:endParaRPr lang="zh-CN" altLang="en-US"/>
           </a:p>
@@ -1325,7 +1334,7 @@
           <a:p>
             <a:fld id="{B34AA640-87DE-403B-AC78-F6FEE0B57B5D}" type="datetime1">
               <a:rPr lang="zh-CN" altLang="en-US" smtClean="0"/>
-              <a:t>2016/9/3</a:t>
+              <a:t>2016/9/7</a:t>
             </a:fld>
             <a:endParaRPr lang="zh-CN" altLang="en-US"/>
           </a:p>
@@ -1566,7 +1575,7 @@
           <a:p>
             <a:fld id="{A0663606-6224-48AC-A9C3-01536FF5A8D3}" type="datetime1">
               <a:rPr lang="zh-CN" altLang="en-US" smtClean="0"/>
-              <a:t>2016/9/3</a:t>
+              <a:t>2016/9/7</a:t>
             </a:fld>
             <a:endParaRPr lang="zh-CN" altLang="en-US"/>
           </a:p>
@@ -1849,7 +1858,7 @@
           <a:p>
             <a:fld id="{BCFAA94D-CC7D-4797-A37E-F6E45888FFD3}" type="datetime1">
               <a:rPr lang="zh-CN" altLang="en-US" smtClean="0"/>
-              <a:t>2016/9/3</a:t>
+              <a:t>2016/9/7</a:t>
             </a:fld>
             <a:endParaRPr lang="zh-CN" altLang="en-US"/>
           </a:p>
@@ -2266,7 +2275,7 @@
           <a:p>
             <a:fld id="{CB3D4EC1-D5F4-4EA7-BEE4-003887811976}" type="datetime1">
               <a:rPr lang="zh-CN" altLang="en-US" smtClean="0"/>
-              <a:t>2016/9/3</a:t>
+              <a:t>2016/9/7</a:t>
             </a:fld>
             <a:endParaRPr lang="zh-CN" altLang="en-US"/>
           </a:p>
@@ -2379,7 +2388,7 @@
           <a:p>
             <a:fld id="{A3F3B0D5-BEE7-46BD-8C3C-1F24935BD2BA}" type="datetime1">
               <a:rPr lang="zh-CN" altLang="en-US" smtClean="0"/>
-              <a:t>2016/9/3</a:t>
+              <a:t>2016/9/7</a:t>
             </a:fld>
             <a:endParaRPr lang="zh-CN" altLang="en-US"/>
           </a:p>
@@ -2469,7 +2478,7 @@
           <a:p>
             <a:fld id="{BAA94D51-A23F-4C7E-ACB9-F69CEC11A8FE}" type="datetime1">
               <a:rPr lang="zh-CN" altLang="en-US" smtClean="0"/>
-              <a:t>2016/9/3</a:t>
+              <a:t>2016/9/7</a:t>
             </a:fld>
             <a:endParaRPr lang="zh-CN" altLang="en-US"/>
           </a:p>
@@ -2741,7 +2750,7 @@
           <a:p>
             <a:fld id="{2F94AAA0-004A-44A7-9D1C-22721FA89EC0}" type="datetime1">
               <a:rPr lang="zh-CN" altLang="en-US" smtClean="0"/>
-              <a:t>2016/9/3</a:t>
+              <a:t>2016/9/7</a:t>
             </a:fld>
             <a:endParaRPr lang="zh-CN" altLang="en-US"/>
           </a:p>
@@ -2989,7 +2998,7 @@
           <a:p>
             <a:fld id="{F570CB73-500B-46CB-B603-E25A55C666EC}" type="datetime1">
               <a:rPr lang="zh-CN" altLang="en-US" smtClean="0"/>
-              <a:t>2016/9/3</a:t>
+              <a:t>2016/9/7</a:t>
             </a:fld>
             <a:endParaRPr lang="zh-CN" altLang="en-US"/>
           </a:p>
@@ -3211,7 +3220,7 @@
           <a:p>
             <a:fld id="{E708D0EF-A89D-41AA-A2B5-7C45C89333AE}" type="datetime1">
               <a:rPr lang="zh-CN" altLang="en-US" smtClean="0"/>
-              <a:t>2016/9/3</a:t>
+              <a:t>2016/9/7</a:t>
             </a:fld>
             <a:endParaRPr lang="zh-CN" altLang="en-US"/>
           </a:p>
@@ -3685,7 +3694,7 @@
           <a:p>
             <a:fld id="{DC0212C2-3CC8-4688-A0F8-3B0C9C548618}" type="datetime1">
               <a:rPr lang="zh-CN" altLang="en-US" smtClean="0"/>
-              <a:t>2016/9/3</a:t>
+              <a:t>2016/9/7</a:t>
             </a:fld>
             <a:endParaRPr lang="zh-CN" altLang="en-US" dirty="0"/>
           </a:p>
@@ -3718,6 +3727,1769 @@
     <p:extLst>
       <p:ext uri="{BB962C8B-B14F-4D97-AF65-F5344CB8AC3E}">
         <p14:creationId xmlns:p14="http://schemas.microsoft.com/office/powerpoint/2010/main" val="212838454"/>
+      </p:ext>
+    </p:extLst>
+  </p:cSld>
+  <p:clrMapOvr>
+    <a:masterClrMapping/>
+  </p:clrMapOvr>
+  <p:timing>
+    <p:tnLst>
+      <p:par>
+        <p:cTn id="1" dur="indefinite" restart="never" nodeType="tmRoot"/>
+      </p:par>
+    </p:tnLst>
+  </p:timing>
+</p:sld>
+</file>
+
+<file path=ppt/slides/slide10.xml><?xml version="1.0" encoding="utf-8"?>
+<p:sld xmlns:a="http://schemas.openxmlformats.org/drawingml/2006/main" xmlns:r="http://schemas.openxmlformats.org/officeDocument/2006/relationships" xmlns:p="http://schemas.openxmlformats.org/presentationml/2006/main">
+  <p:cSld>
+    <p:spTree>
+      <p:nvGrpSpPr>
+        <p:cNvPr id="1" name=""/>
+        <p:cNvGrpSpPr/>
+        <p:nvPr/>
+      </p:nvGrpSpPr>
+      <p:grpSpPr>
+        <a:xfrm>
+          <a:off x="0" y="0"/>
+          <a:ext cx="0" cy="0"/>
+          <a:chOff x="0" y="0"/>
+          <a:chExt cx="0" cy="0"/>
+        </a:xfrm>
+      </p:grpSpPr>
+      <p:sp>
+        <p:nvSpPr>
+          <p:cNvPr id="2" name="标题 1"/>
+          <p:cNvSpPr>
+            <a:spLocks noGrp="1"/>
+          </p:cNvSpPr>
+          <p:nvPr>
+            <p:ph type="title"/>
+          </p:nvPr>
+        </p:nvSpPr>
+        <p:spPr/>
+        <p:txBody>
+          <a:bodyPr/>
+          <a:lstStyle/>
+          <a:p>
+            <a:r>
+              <a:rPr lang="zh-CN" altLang="en-US" dirty="0"/>
+              <a:t>调</a:t>
+            </a:r>
+            <a:r>
+              <a:rPr lang="zh-CN" altLang="en-US" dirty="0" smtClean="0"/>
+              <a:t>用的请求如何编码</a:t>
+            </a:r>
+            <a:r>
+              <a:rPr lang="en-US" altLang="zh-CN" dirty="0" smtClean="0"/>
+              <a:t>2</a:t>
+            </a:r>
+            <a:endParaRPr lang="zh-CN" altLang="en-US" dirty="0"/>
+          </a:p>
+        </p:txBody>
+      </p:sp>
+      <p:sp>
+        <p:nvSpPr>
+          <p:cNvPr id="3" name="内容占位符 2"/>
+          <p:cNvSpPr>
+            <a:spLocks noGrp="1"/>
+          </p:cNvSpPr>
+          <p:nvPr>
+            <p:ph idx="1"/>
+          </p:nvPr>
+        </p:nvSpPr>
+        <p:spPr/>
+        <p:txBody>
+          <a:bodyPr/>
+          <a:lstStyle/>
+          <a:p>
+            <a:r>
+              <a:rPr lang="zh-CN" altLang="en-US" dirty="0"/>
+              <a:t>编</a:t>
+            </a:r>
+            <a:r>
+              <a:rPr lang="zh-CN" altLang="en-US" dirty="0" smtClean="0"/>
+              <a:t>码用的什么协议序列化</a:t>
+            </a:r>
+            <a:endParaRPr lang="en-US" altLang="zh-CN" dirty="0" smtClean="0"/>
+          </a:p>
+          <a:p>
+            <a:r>
+              <a:rPr lang="zh-CN" altLang="en-US" dirty="0"/>
+              <a:t>默</a:t>
+            </a:r>
+            <a:r>
+              <a:rPr lang="zh-CN" altLang="en-US" dirty="0" smtClean="0"/>
+              <a:t>认采用</a:t>
+            </a:r>
+            <a:r>
+              <a:rPr lang="en-US" altLang="zh-CN" dirty="0" smtClean="0"/>
+              <a:t>hessian Hessian2Serialization</a:t>
+            </a:r>
+          </a:p>
+          <a:p>
+            <a:r>
+              <a:rPr lang="zh-CN" altLang="en-US" dirty="0"/>
+              <a:t>除</a:t>
+            </a:r>
+            <a:r>
+              <a:rPr lang="zh-CN" altLang="en-US" dirty="0" smtClean="0"/>
+              <a:t>了写入了</a:t>
+            </a:r>
+            <a:r>
+              <a:rPr lang="en-US" altLang="zh-CN" dirty="0" smtClean="0"/>
+              <a:t>request</a:t>
+            </a:r>
+            <a:r>
+              <a:rPr lang="zh-CN" altLang="en-US" dirty="0" smtClean="0"/>
+              <a:t>对象 还写入了哪些要素</a:t>
+            </a:r>
+            <a:endParaRPr lang="en-US" altLang="zh-CN" dirty="0" smtClean="0"/>
+          </a:p>
+          <a:p>
+            <a:r>
+              <a:rPr lang="en-US" altLang="zh-CN" dirty="0" err="1" smtClean="0"/>
+              <a:t>dubbo</a:t>
+            </a:r>
+            <a:r>
+              <a:rPr lang="zh-CN" altLang="en-US" dirty="0" smtClean="0"/>
+              <a:t>版本 服务版本 服务路径 方法名 方法参数类型等。具体参见</a:t>
+            </a:r>
+            <a:r>
+              <a:rPr lang="en-US" altLang="zh-CN" dirty="0" err="1" smtClean="0"/>
+              <a:t>DubboCodec.encodeRequestData</a:t>
+            </a:r>
+            <a:endParaRPr lang="en-US" altLang="zh-CN" dirty="0" smtClean="0"/>
+          </a:p>
+          <a:p>
+            <a:r>
+              <a:rPr lang="zh-CN" altLang="en-US" dirty="0"/>
+              <a:t>编</a:t>
+            </a:r>
+            <a:r>
+              <a:rPr lang="zh-CN" altLang="en-US" dirty="0" smtClean="0"/>
+              <a:t>码后的数据大小 编码性</a:t>
+            </a:r>
+            <a:r>
+              <a:rPr lang="zh-CN" altLang="en-US" dirty="0" smtClean="0"/>
+              <a:t>能</a:t>
+            </a:r>
+            <a:endParaRPr lang="en-US" altLang="zh-CN" dirty="0" smtClean="0"/>
+          </a:p>
+          <a:p>
+            <a:endParaRPr lang="zh-CN" altLang="en-US" dirty="0"/>
+          </a:p>
+        </p:txBody>
+      </p:sp>
+      <p:sp>
+        <p:nvSpPr>
+          <p:cNvPr id="4" name="日期占位符 3"/>
+          <p:cNvSpPr>
+            <a:spLocks noGrp="1"/>
+          </p:cNvSpPr>
+          <p:nvPr>
+            <p:ph type="dt" sz="half" idx="10"/>
+          </p:nvPr>
+        </p:nvSpPr>
+        <p:spPr/>
+        <p:txBody>
+          <a:bodyPr/>
+          <a:lstStyle/>
+          <a:p>
+            <a:fld id="{B34AA640-87DE-403B-AC78-F6FEE0B57B5D}" type="datetime1">
+              <a:rPr lang="zh-CN" altLang="en-US" smtClean="0"/>
+              <a:t>2016/9/7</a:t>
+            </a:fld>
+            <a:endParaRPr lang="zh-CN" altLang="en-US"/>
+          </a:p>
+        </p:txBody>
+      </p:sp>
+      <p:sp>
+        <p:nvSpPr>
+          <p:cNvPr id="5" name="灯片编号占位符 4"/>
+          <p:cNvSpPr>
+            <a:spLocks noGrp="1"/>
+          </p:cNvSpPr>
+          <p:nvPr>
+            <p:ph type="sldNum" sz="quarter" idx="12"/>
+          </p:nvPr>
+        </p:nvSpPr>
+        <p:spPr/>
+        <p:txBody>
+          <a:bodyPr/>
+          <a:lstStyle/>
+          <a:p>
+            <a:fld id="{0C913308-F349-4B6D-A68A-DD1791B4A57B}" type="slidenum">
+              <a:rPr lang="zh-CN" altLang="en-US" smtClean="0"/>
+              <a:t>10</a:t>
+            </a:fld>
+            <a:endParaRPr lang="zh-CN" altLang="en-US"/>
+          </a:p>
+        </p:txBody>
+      </p:sp>
+    </p:spTree>
+    <p:extLst>
+      <p:ext uri="{BB962C8B-B14F-4D97-AF65-F5344CB8AC3E}">
+        <p14:creationId xmlns:p14="http://schemas.microsoft.com/office/powerpoint/2010/main" val="2072750789"/>
+      </p:ext>
+    </p:extLst>
+  </p:cSld>
+  <p:clrMapOvr>
+    <a:masterClrMapping/>
+  </p:clrMapOvr>
+  <p:timing>
+    <p:tnLst>
+      <p:par>
+        <p:cTn id="1" dur="indefinite" restart="never" nodeType="tmRoot"/>
+      </p:par>
+    </p:tnLst>
+  </p:timing>
+</p:sld>
+</file>
+
+<file path=ppt/slides/slide11.xml><?xml version="1.0" encoding="utf-8"?>
+<p:sld xmlns:a="http://schemas.openxmlformats.org/drawingml/2006/main" xmlns:r="http://schemas.openxmlformats.org/officeDocument/2006/relationships" xmlns:p="http://schemas.openxmlformats.org/presentationml/2006/main">
+  <p:cSld>
+    <p:spTree>
+      <p:nvGrpSpPr>
+        <p:cNvPr id="1" name=""/>
+        <p:cNvGrpSpPr/>
+        <p:nvPr/>
+      </p:nvGrpSpPr>
+      <p:grpSpPr>
+        <a:xfrm>
+          <a:off x="0" y="0"/>
+          <a:ext cx="0" cy="0"/>
+          <a:chOff x="0" y="0"/>
+          <a:chExt cx="0" cy="0"/>
+        </a:xfrm>
+      </p:grpSpPr>
+      <p:sp>
+        <p:nvSpPr>
+          <p:cNvPr id="2" name="标题 1"/>
+          <p:cNvSpPr>
+            <a:spLocks noGrp="1"/>
+          </p:cNvSpPr>
+          <p:nvPr>
+            <p:ph type="title"/>
+          </p:nvPr>
+        </p:nvSpPr>
+        <p:spPr/>
+        <p:txBody>
+          <a:bodyPr/>
+          <a:lstStyle/>
+          <a:p>
+            <a:r>
+              <a:rPr lang="zh-CN" altLang="en-US" dirty="0"/>
+              <a:t>调</a:t>
+            </a:r>
+            <a:r>
+              <a:rPr lang="zh-CN" altLang="en-US" dirty="0" smtClean="0"/>
+              <a:t>用的请求如何编</a:t>
+            </a:r>
+            <a:r>
+              <a:rPr lang="zh-CN" altLang="en-US" dirty="0" smtClean="0"/>
+              <a:t>码</a:t>
+            </a:r>
+            <a:r>
+              <a:rPr lang="en-US" altLang="zh-CN" dirty="0"/>
+              <a:t>3</a:t>
+            </a:r>
+            <a:endParaRPr lang="zh-CN" altLang="en-US" dirty="0"/>
+          </a:p>
+        </p:txBody>
+      </p:sp>
+      <p:sp>
+        <p:nvSpPr>
+          <p:cNvPr id="3" name="内容占位符 2"/>
+          <p:cNvSpPr>
+            <a:spLocks noGrp="1"/>
+          </p:cNvSpPr>
+          <p:nvPr>
+            <p:ph idx="1"/>
+          </p:nvPr>
+        </p:nvSpPr>
+        <p:spPr/>
+        <p:txBody>
+          <a:bodyPr/>
+          <a:lstStyle/>
+          <a:p>
+            <a:r>
+              <a:rPr lang="zh-CN" altLang="en-US" dirty="0" smtClean="0"/>
+              <a:t>可选的序列化协议有：</a:t>
+            </a:r>
+            <a:endParaRPr lang="en-US" altLang="zh-CN" dirty="0" smtClean="0"/>
+          </a:p>
+          <a:p>
+            <a:endParaRPr lang="zh-CN" altLang="en-US" dirty="0"/>
+          </a:p>
+        </p:txBody>
+      </p:sp>
+      <p:sp>
+        <p:nvSpPr>
+          <p:cNvPr id="4" name="日期占位符 3"/>
+          <p:cNvSpPr>
+            <a:spLocks noGrp="1"/>
+          </p:cNvSpPr>
+          <p:nvPr>
+            <p:ph type="dt" sz="half" idx="10"/>
+          </p:nvPr>
+        </p:nvSpPr>
+        <p:spPr/>
+        <p:txBody>
+          <a:bodyPr/>
+          <a:lstStyle/>
+          <a:p>
+            <a:fld id="{B34AA640-87DE-403B-AC78-F6FEE0B57B5D}" type="datetime1">
+              <a:rPr lang="zh-CN" altLang="en-US" smtClean="0"/>
+              <a:t>2016/9/7</a:t>
+            </a:fld>
+            <a:endParaRPr lang="zh-CN" altLang="en-US"/>
+          </a:p>
+        </p:txBody>
+      </p:sp>
+      <p:sp>
+        <p:nvSpPr>
+          <p:cNvPr id="5" name="灯片编号占位符 4"/>
+          <p:cNvSpPr>
+            <a:spLocks noGrp="1"/>
+          </p:cNvSpPr>
+          <p:nvPr>
+            <p:ph type="sldNum" sz="quarter" idx="12"/>
+          </p:nvPr>
+        </p:nvSpPr>
+        <p:spPr/>
+        <p:txBody>
+          <a:bodyPr/>
+          <a:lstStyle/>
+          <a:p>
+            <a:fld id="{0C913308-F349-4B6D-A68A-DD1791B4A57B}" type="slidenum">
+              <a:rPr lang="zh-CN" altLang="en-US" smtClean="0"/>
+              <a:t>11</a:t>
+            </a:fld>
+            <a:endParaRPr lang="zh-CN" altLang="en-US"/>
+          </a:p>
+        </p:txBody>
+      </p:sp>
+      <p:pic>
+        <p:nvPicPr>
+          <p:cNvPr id="1026" name="Picture 2" descr="C:\Users\chen.simon\AppData\Local\Temp\cyh1pqo0.qhx.png"/>
+          <p:cNvPicPr>
+            <a:picLocks noChangeAspect="1" noChangeArrowheads="1"/>
+          </p:cNvPicPr>
+          <p:nvPr/>
+        </p:nvPicPr>
+        <p:blipFill>
+          <a:blip r:embed="rId2">
+            <a:extLst>
+              <a:ext uri="{28A0092B-C50C-407E-A947-70E740481C1C}">
+                <a14:useLocalDpi xmlns:a14="http://schemas.microsoft.com/office/drawing/2010/main" val="0"/>
+              </a:ext>
+            </a:extLst>
+          </a:blip>
+          <a:srcRect/>
+          <a:stretch>
+            <a:fillRect/>
+          </a:stretch>
+        </p:blipFill>
+        <p:spPr bwMode="auto">
+          <a:xfrm>
+            <a:off x="683568" y="2204864"/>
+            <a:ext cx="5343525" cy="1533526"/>
+          </a:xfrm>
+          <a:prstGeom prst="rect">
+            <a:avLst/>
+          </a:prstGeom>
+          <a:noFill/>
+          <a:extLst>
+            <a:ext uri="{909E8E84-426E-40DD-AFC4-6F175D3DCCD1}">
+              <a14:hiddenFill xmlns:a14="http://schemas.microsoft.com/office/drawing/2010/main">
+                <a:solidFill>
+                  <a:srgbClr val="FFFFFF"/>
+                </a:solidFill>
+              </a14:hiddenFill>
+            </a:ext>
+          </a:extLst>
+        </p:spPr>
+      </p:pic>
+    </p:spTree>
+    <p:extLst>
+      <p:ext uri="{BB962C8B-B14F-4D97-AF65-F5344CB8AC3E}">
+        <p14:creationId xmlns:p14="http://schemas.microsoft.com/office/powerpoint/2010/main" val="1699517178"/>
+      </p:ext>
+    </p:extLst>
+  </p:cSld>
+  <p:clrMapOvr>
+    <a:masterClrMapping/>
+  </p:clrMapOvr>
+  <p:timing>
+    <p:tnLst>
+      <p:par>
+        <p:cTn id="1" dur="indefinite" restart="never" nodeType="tmRoot"/>
+      </p:par>
+    </p:tnLst>
+  </p:timing>
+</p:sld>
+</file>
+
+<file path=ppt/slides/slide12.xml><?xml version="1.0" encoding="utf-8"?>
+<p:sld xmlns:a="http://schemas.openxmlformats.org/drawingml/2006/main" xmlns:r="http://schemas.openxmlformats.org/officeDocument/2006/relationships" xmlns:p="http://schemas.openxmlformats.org/presentationml/2006/main">
+  <p:cSld>
+    <p:spTree>
+      <p:nvGrpSpPr>
+        <p:cNvPr id="1" name=""/>
+        <p:cNvGrpSpPr/>
+        <p:nvPr/>
+      </p:nvGrpSpPr>
+      <p:grpSpPr>
+        <a:xfrm>
+          <a:off x="0" y="0"/>
+          <a:ext cx="0" cy="0"/>
+          <a:chOff x="0" y="0"/>
+          <a:chExt cx="0" cy="0"/>
+        </a:xfrm>
+      </p:grpSpPr>
+      <p:sp>
+        <p:nvSpPr>
+          <p:cNvPr id="2" name="标题 1"/>
+          <p:cNvSpPr>
+            <a:spLocks noGrp="1"/>
+          </p:cNvSpPr>
+          <p:nvPr>
+            <p:ph type="title"/>
+          </p:nvPr>
+        </p:nvSpPr>
+        <p:spPr/>
+        <p:txBody>
+          <a:bodyPr/>
+          <a:lstStyle/>
+          <a:p>
+            <a:r>
+              <a:rPr lang="zh-CN" altLang="en-US" dirty="0" smtClean="0"/>
+              <a:t>调用返回的结果如何处理</a:t>
+            </a:r>
+            <a:endParaRPr lang="zh-CN" altLang="en-US" dirty="0"/>
+          </a:p>
+        </p:txBody>
+      </p:sp>
+      <p:sp>
+        <p:nvSpPr>
+          <p:cNvPr id="3" name="内容占位符 2"/>
+          <p:cNvSpPr>
+            <a:spLocks noGrp="1"/>
+          </p:cNvSpPr>
+          <p:nvPr>
+            <p:ph idx="1"/>
+          </p:nvPr>
+        </p:nvSpPr>
+        <p:spPr/>
+        <p:txBody>
+          <a:bodyPr/>
+          <a:lstStyle/>
+          <a:p>
+            <a:r>
+              <a:rPr lang="en-US" altLang="zh-CN" dirty="0"/>
+              <a:t>Test case </a:t>
+            </a:r>
+            <a:r>
+              <a:rPr lang="en-US" altLang="zh-CN" sz="1600" dirty="0"/>
+              <a:t>org.simonme.dubbo.demo.consumer.registercenter.zookeeper.UserClientTest.testQueryUser</a:t>
+            </a:r>
+            <a:r>
+              <a:rPr lang="en-US" altLang="zh-CN" sz="1600" dirty="0" smtClean="0"/>
+              <a:t>()</a:t>
+            </a:r>
+          </a:p>
+          <a:p>
+            <a:r>
+              <a:rPr lang="zh-CN" altLang="en-US" dirty="0" smtClean="0"/>
+              <a:t>注意对</a:t>
+            </a:r>
+            <a:r>
+              <a:rPr lang="en-US" altLang="zh-CN" dirty="0" smtClean="0"/>
+              <a:t>service</a:t>
+            </a:r>
+            <a:r>
+              <a:rPr lang="zh-CN" altLang="en-US" dirty="0" smtClean="0"/>
+              <a:t>配置设置</a:t>
+            </a:r>
+            <a:r>
+              <a:rPr lang="en-US" altLang="zh-CN" dirty="0" smtClean="0"/>
+              <a:t>timeout </a:t>
+            </a:r>
+            <a:r>
+              <a:rPr lang="zh-CN" altLang="en-US" dirty="0" smtClean="0"/>
+              <a:t>否则</a:t>
+            </a:r>
+            <a:r>
+              <a:rPr lang="zh-CN" altLang="en-US" dirty="0"/>
+              <a:t>默</a:t>
+            </a:r>
+            <a:r>
+              <a:rPr lang="zh-CN" altLang="en-US" dirty="0" smtClean="0"/>
+              <a:t>认</a:t>
+            </a:r>
+            <a:r>
+              <a:rPr lang="en-US" altLang="zh-CN" dirty="0" smtClean="0"/>
+              <a:t>1s</a:t>
+            </a:r>
+            <a:r>
+              <a:rPr lang="zh-CN" altLang="en-US" dirty="0" smtClean="0"/>
+              <a:t>超时 不方便调试</a:t>
+            </a:r>
+            <a:endParaRPr lang="en-US" altLang="zh-CN" dirty="0" smtClean="0"/>
+          </a:p>
+          <a:p>
+            <a:r>
+              <a:rPr lang="zh-CN" altLang="en-US" dirty="0" smtClean="0"/>
+              <a:t>返回值类型</a:t>
+            </a:r>
+            <a:r>
+              <a:rPr lang="en-US" altLang="zh-CN" dirty="0" smtClean="0"/>
+              <a:t>(User)</a:t>
+            </a:r>
+            <a:r>
+              <a:rPr lang="zh-CN" altLang="en-US" dirty="0" smtClean="0"/>
+              <a:t>需要实现序列接口</a:t>
+            </a:r>
+            <a:endParaRPr lang="en-US" altLang="zh-CN" dirty="0" smtClean="0"/>
+          </a:p>
+          <a:p>
+            <a:r>
+              <a:rPr lang="zh-CN" altLang="en-US" dirty="0"/>
+              <a:t>编</a:t>
+            </a:r>
+            <a:r>
+              <a:rPr lang="zh-CN" altLang="en-US" dirty="0" smtClean="0"/>
+              <a:t>码：</a:t>
+            </a:r>
+            <a:r>
+              <a:rPr lang="en-US" altLang="zh-CN" dirty="0"/>
+              <a:t> </a:t>
+            </a:r>
+            <a:r>
+              <a:rPr lang="en-US" altLang="zh-CN" sz="1600" dirty="0" err="1" smtClean="0"/>
+              <a:t>DubboCodec.encodeResponseData</a:t>
+            </a:r>
+            <a:r>
+              <a:rPr lang="en-US" altLang="zh-CN" dirty="0" smtClean="0"/>
+              <a:t> </a:t>
+            </a:r>
+            <a:r>
+              <a:rPr lang="zh-CN" altLang="en-US" dirty="0" smtClean="0"/>
+              <a:t>服务侧</a:t>
+            </a:r>
+            <a:endParaRPr lang="en-US" altLang="zh-CN" dirty="0" smtClean="0"/>
+          </a:p>
+          <a:p>
+            <a:r>
+              <a:rPr lang="zh-CN" altLang="en-US" dirty="0"/>
+              <a:t>结</a:t>
+            </a:r>
+            <a:r>
+              <a:rPr lang="zh-CN" altLang="en-US" dirty="0" smtClean="0"/>
+              <a:t>果封装类：</a:t>
+            </a:r>
+            <a:r>
+              <a:rPr lang="en-US" altLang="zh-CN" dirty="0"/>
+              <a:t> </a:t>
+            </a:r>
+            <a:r>
+              <a:rPr lang="en-US" altLang="zh-CN" dirty="0" err="1" smtClean="0"/>
+              <a:t>DecodeableRpcResult</a:t>
+            </a:r>
+            <a:endParaRPr lang="en-US" altLang="zh-CN" dirty="0" smtClean="0"/>
+          </a:p>
+          <a:p>
+            <a:endParaRPr lang="zh-CN" altLang="en-US" dirty="0"/>
+          </a:p>
+        </p:txBody>
+      </p:sp>
+      <p:sp>
+        <p:nvSpPr>
+          <p:cNvPr id="4" name="日期占位符 3"/>
+          <p:cNvSpPr>
+            <a:spLocks noGrp="1"/>
+          </p:cNvSpPr>
+          <p:nvPr>
+            <p:ph type="dt" sz="half" idx="10"/>
+          </p:nvPr>
+        </p:nvSpPr>
+        <p:spPr/>
+        <p:txBody>
+          <a:bodyPr/>
+          <a:lstStyle/>
+          <a:p>
+            <a:fld id="{B34AA640-87DE-403B-AC78-F6FEE0B57B5D}" type="datetime1">
+              <a:rPr lang="zh-CN" altLang="en-US" smtClean="0"/>
+              <a:t>2016/9/7</a:t>
+            </a:fld>
+            <a:endParaRPr lang="zh-CN" altLang="en-US"/>
+          </a:p>
+        </p:txBody>
+      </p:sp>
+      <p:sp>
+        <p:nvSpPr>
+          <p:cNvPr id="5" name="灯片编号占位符 4"/>
+          <p:cNvSpPr>
+            <a:spLocks noGrp="1"/>
+          </p:cNvSpPr>
+          <p:nvPr>
+            <p:ph type="sldNum" sz="quarter" idx="12"/>
+          </p:nvPr>
+        </p:nvSpPr>
+        <p:spPr/>
+        <p:txBody>
+          <a:bodyPr/>
+          <a:lstStyle/>
+          <a:p>
+            <a:fld id="{0C913308-F349-4B6D-A68A-DD1791B4A57B}" type="slidenum">
+              <a:rPr lang="zh-CN" altLang="en-US" smtClean="0"/>
+              <a:t>12</a:t>
+            </a:fld>
+            <a:endParaRPr lang="zh-CN" altLang="en-US"/>
+          </a:p>
+        </p:txBody>
+      </p:sp>
+    </p:spTree>
+    <p:extLst>
+      <p:ext uri="{BB962C8B-B14F-4D97-AF65-F5344CB8AC3E}">
+        <p14:creationId xmlns:p14="http://schemas.microsoft.com/office/powerpoint/2010/main" val="2832579571"/>
+      </p:ext>
+    </p:extLst>
+  </p:cSld>
+  <p:clrMapOvr>
+    <a:masterClrMapping/>
+  </p:clrMapOvr>
+  <p:timing>
+    <p:tnLst>
+      <p:par>
+        <p:cTn id="1" dur="indefinite" restart="never" nodeType="tmRoot"/>
+      </p:par>
+    </p:tnLst>
+  </p:timing>
+</p:sld>
+</file>
+
+<file path=ppt/slides/slide13.xml><?xml version="1.0" encoding="utf-8"?>
+<p:sld xmlns:a="http://schemas.openxmlformats.org/drawingml/2006/main" xmlns:r="http://schemas.openxmlformats.org/officeDocument/2006/relationships" xmlns:p="http://schemas.openxmlformats.org/presentationml/2006/main">
+  <p:cSld>
+    <p:spTree>
+      <p:nvGrpSpPr>
+        <p:cNvPr id="1" name=""/>
+        <p:cNvGrpSpPr/>
+        <p:nvPr/>
+      </p:nvGrpSpPr>
+      <p:grpSpPr>
+        <a:xfrm>
+          <a:off x="0" y="0"/>
+          <a:ext cx="0" cy="0"/>
+          <a:chOff x="0" y="0"/>
+          <a:chExt cx="0" cy="0"/>
+        </a:xfrm>
+      </p:grpSpPr>
+      <p:sp>
+        <p:nvSpPr>
+          <p:cNvPr id="2" name="标题 1"/>
+          <p:cNvSpPr>
+            <a:spLocks noGrp="1"/>
+          </p:cNvSpPr>
+          <p:nvPr>
+            <p:ph type="title"/>
+          </p:nvPr>
+        </p:nvSpPr>
+        <p:spPr/>
+        <p:txBody>
+          <a:bodyPr>
+            <a:normAutofit fontScale="90000"/>
+          </a:bodyPr>
+          <a:lstStyle/>
+          <a:p>
+            <a:r>
+              <a:rPr lang="zh-CN" altLang="en-US" dirty="0"/>
+              <a:t>请</a:t>
+            </a:r>
+            <a:r>
+              <a:rPr lang="zh-CN" altLang="en-US" dirty="0" smtClean="0"/>
+              <a:t>求的编码与响应的解码是否在同一线程</a:t>
+            </a:r>
+            <a:r>
+              <a:rPr lang="en-US" altLang="zh-CN" dirty="0" smtClean="0"/>
+              <a:t>1</a:t>
+            </a:r>
+            <a:endParaRPr lang="zh-CN" altLang="en-US" dirty="0"/>
+          </a:p>
+        </p:txBody>
+      </p:sp>
+      <p:sp>
+        <p:nvSpPr>
+          <p:cNvPr id="3" name="内容占位符 2"/>
+          <p:cNvSpPr>
+            <a:spLocks noGrp="1"/>
+          </p:cNvSpPr>
+          <p:nvPr>
+            <p:ph idx="1"/>
+          </p:nvPr>
+        </p:nvSpPr>
+        <p:spPr/>
+        <p:txBody>
+          <a:bodyPr/>
+          <a:lstStyle/>
+          <a:p>
+            <a:r>
+              <a:rPr lang="zh-CN" altLang="en-US" dirty="0"/>
+              <a:t>不</a:t>
+            </a:r>
+            <a:r>
+              <a:rPr lang="zh-CN" altLang="en-US" dirty="0" smtClean="0"/>
+              <a:t>在同一线程：</a:t>
+            </a:r>
+            <a:endParaRPr lang="en-US" altLang="zh-CN" dirty="0" smtClean="0"/>
+          </a:p>
+          <a:p>
+            <a:pPr lvl="1"/>
+            <a:r>
+              <a:rPr lang="zh-CN" altLang="en-US" dirty="0" smtClean="0"/>
+              <a:t>本例</a:t>
+            </a:r>
+            <a:r>
+              <a:rPr lang="en-US" altLang="zh-CN" dirty="0" smtClean="0"/>
+              <a:t>:</a:t>
+            </a:r>
+            <a:r>
+              <a:rPr lang="zh-CN" altLang="en-US" dirty="0" smtClean="0"/>
+              <a:t>发起服务调用的</a:t>
+            </a:r>
+            <a:r>
+              <a:rPr lang="en-US" altLang="zh-CN" dirty="0" smtClean="0"/>
+              <a:t>(</a:t>
+            </a:r>
+            <a:r>
+              <a:rPr lang="zh-CN" altLang="en-US" dirty="0" smtClean="0"/>
+              <a:t>请求解码</a:t>
+            </a:r>
+            <a:r>
+              <a:rPr lang="en-US" altLang="zh-CN" dirty="0" smtClean="0"/>
+              <a:t>)</a:t>
+            </a:r>
+            <a:r>
+              <a:rPr lang="zh-CN" altLang="en-US" dirty="0" smtClean="0"/>
+              <a:t>是在主线程</a:t>
+            </a:r>
+            <a:endParaRPr lang="en-US" altLang="zh-CN" dirty="0" smtClean="0"/>
+          </a:p>
+          <a:p>
+            <a:pPr lvl="1"/>
+            <a:r>
+              <a:rPr lang="zh-CN" altLang="en-US" dirty="0" smtClean="0"/>
+              <a:t>接收服务调用结果</a:t>
+            </a:r>
+            <a:r>
+              <a:rPr lang="en-US" altLang="zh-CN" dirty="0" smtClean="0"/>
+              <a:t>(</a:t>
+            </a:r>
+            <a:r>
+              <a:rPr lang="zh-CN" altLang="en-US" dirty="0" smtClean="0"/>
+              <a:t>响应解码</a:t>
+            </a:r>
+            <a:r>
+              <a:rPr lang="en-US" altLang="zh-CN" dirty="0" smtClean="0"/>
+              <a:t>)</a:t>
+            </a:r>
+            <a:r>
+              <a:rPr lang="zh-CN" altLang="en-US" dirty="0" smtClean="0"/>
+              <a:t>在</a:t>
+            </a:r>
+            <a:r>
+              <a:rPr lang="en-US" altLang="zh-CN" dirty="0" err="1" smtClean="0"/>
+              <a:t>netty</a:t>
+            </a:r>
+            <a:r>
+              <a:rPr lang="zh-CN" altLang="en-US" dirty="0" smtClean="0"/>
+              <a:t>的</a:t>
+            </a:r>
+            <a:r>
+              <a:rPr lang="en-US" altLang="zh-CN" dirty="0" smtClean="0"/>
+              <a:t>IO</a:t>
+            </a:r>
+            <a:r>
+              <a:rPr lang="zh-CN" altLang="en-US" dirty="0" smtClean="0"/>
+              <a:t>线程</a:t>
+            </a:r>
+            <a:endParaRPr lang="en-US" altLang="zh-CN" dirty="0"/>
+          </a:p>
+          <a:p>
+            <a:pPr lvl="1"/>
+            <a:endParaRPr lang="en-US" altLang="zh-CN" dirty="0" smtClean="0"/>
+          </a:p>
+          <a:p>
+            <a:endParaRPr lang="zh-CN" altLang="en-US" dirty="0"/>
+          </a:p>
+        </p:txBody>
+      </p:sp>
+      <p:sp>
+        <p:nvSpPr>
+          <p:cNvPr id="4" name="日期占位符 3"/>
+          <p:cNvSpPr>
+            <a:spLocks noGrp="1"/>
+          </p:cNvSpPr>
+          <p:nvPr>
+            <p:ph type="dt" sz="half" idx="10"/>
+          </p:nvPr>
+        </p:nvSpPr>
+        <p:spPr/>
+        <p:txBody>
+          <a:bodyPr/>
+          <a:lstStyle/>
+          <a:p>
+            <a:fld id="{B34AA640-87DE-403B-AC78-F6FEE0B57B5D}" type="datetime1">
+              <a:rPr lang="zh-CN" altLang="en-US" smtClean="0"/>
+              <a:t>2016/9/7</a:t>
+            </a:fld>
+            <a:endParaRPr lang="zh-CN" altLang="en-US"/>
+          </a:p>
+        </p:txBody>
+      </p:sp>
+      <p:sp>
+        <p:nvSpPr>
+          <p:cNvPr id="5" name="灯片编号占位符 4"/>
+          <p:cNvSpPr>
+            <a:spLocks noGrp="1"/>
+          </p:cNvSpPr>
+          <p:nvPr>
+            <p:ph type="sldNum" sz="quarter" idx="12"/>
+          </p:nvPr>
+        </p:nvSpPr>
+        <p:spPr/>
+        <p:txBody>
+          <a:bodyPr/>
+          <a:lstStyle/>
+          <a:p>
+            <a:fld id="{0C913308-F349-4B6D-A68A-DD1791B4A57B}" type="slidenum">
+              <a:rPr lang="zh-CN" altLang="en-US" smtClean="0"/>
+              <a:t>13</a:t>
+            </a:fld>
+            <a:endParaRPr lang="zh-CN" altLang="en-US"/>
+          </a:p>
+        </p:txBody>
+      </p:sp>
+      <p:pic>
+        <p:nvPicPr>
+          <p:cNvPr id="3074" name="Picture 2" descr="C:\Users\chen.simon\AppData\Local\Temp\gtgw5odq.gf1.png"/>
+          <p:cNvPicPr>
+            <a:picLocks noChangeAspect="1" noChangeArrowheads="1"/>
+          </p:cNvPicPr>
+          <p:nvPr/>
+        </p:nvPicPr>
+        <p:blipFill>
+          <a:blip r:embed="rId2">
+            <a:extLst>
+              <a:ext uri="{28A0092B-C50C-407E-A947-70E740481C1C}">
+                <a14:useLocalDpi xmlns:a14="http://schemas.microsoft.com/office/drawing/2010/main" val="0"/>
+              </a:ext>
+            </a:extLst>
+          </a:blip>
+          <a:srcRect/>
+          <a:stretch>
+            <a:fillRect/>
+          </a:stretch>
+        </p:blipFill>
+        <p:spPr bwMode="auto">
+          <a:xfrm>
+            <a:off x="683568" y="3573016"/>
+            <a:ext cx="5543550" cy="542926"/>
+          </a:xfrm>
+          <a:prstGeom prst="rect">
+            <a:avLst/>
+          </a:prstGeom>
+          <a:noFill/>
+          <a:extLst>
+            <a:ext uri="{909E8E84-426E-40DD-AFC4-6F175D3DCCD1}">
+              <a14:hiddenFill xmlns:a14="http://schemas.microsoft.com/office/drawing/2010/main">
+                <a:solidFill>
+                  <a:srgbClr val="FFFFFF"/>
+                </a:solidFill>
+              </a14:hiddenFill>
+            </a:ext>
+          </a:extLst>
+        </p:spPr>
+      </p:pic>
+      <p:pic>
+        <p:nvPicPr>
+          <p:cNvPr id="3076" name="Picture 4" descr="C:\Users\chen.simon\AppData\Local\Temp\pbidfupj.gfa.png"/>
+          <p:cNvPicPr>
+            <a:picLocks noChangeAspect="1" noChangeArrowheads="1"/>
+          </p:cNvPicPr>
+          <p:nvPr/>
+        </p:nvPicPr>
+        <p:blipFill>
+          <a:blip r:embed="rId3">
+            <a:extLst>
+              <a:ext uri="{28A0092B-C50C-407E-A947-70E740481C1C}">
+                <a14:useLocalDpi xmlns:a14="http://schemas.microsoft.com/office/drawing/2010/main" val="0"/>
+              </a:ext>
+            </a:extLst>
+          </a:blip>
+          <a:srcRect/>
+          <a:stretch>
+            <a:fillRect/>
+          </a:stretch>
+        </p:blipFill>
+        <p:spPr bwMode="auto">
+          <a:xfrm>
+            <a:off x="648610" y="4581128"/>
+            <a:ext cx="4800600" cy="847725"/>
+          </a:xfrm>
+          <a:prstGeom prst="rect">
+            <a:avLst/>
+          </a:prstGeom>
+          <a:noFill/>
+          <a:extLst>
+            <a:ext uri="{909E8E84-426E-40DD-AFC4-6F175D3DCCD1}">
+              <a14:hiddenFill xmlns:a14="http://schemas.microsoft.com/office/drawing/2010/main">
+                <a:solidFill>
+                  <a:srgbClr val="FFFFFF"/>
+                </a:solidFill>
+              </a14:hiddenFill>
+            </a:ext>
+          </a:extLst>
+        </p:spPr>
+      </p:pic>
+    </p:spTree>
+    <p:extLst>
+      <p:ext uri="{BB962C8B-B14F-4D97-AF65-F5344CB8AC3E}">
+        <p14:creationId xmlns:p14="http://schemas.microsoft.com/office/powerpoint/2010/main" val="3452405787"/>
+      </p:ext>
+    </p:extLst>
+  </p:cSld>
+  <p:clrMapOvr>
+    <a:masterClrMapping/>
+  </p:clrMapOvr>
+  <p:timing>
+    <p:tnLst>
+      <p:par>
+        <p:cTn id="1" dur="indefinite" restart="never" nodeType="tmRoot"/>
+      </p:par>
+    </p:tnLst>
+  </p:timing>
+</p:sld>
+</file>
+
+<file path=ppt/slides/slide14.xml><?xml version="1.0" encoding="utf-8"?>
+<p:sld xmlns:a="http://schemas.openxmlformats.org/drawingml/2006/main" xmlns:r="http://schemas.openxmlformats.org/officeDocument/2006/relationships" xmlns:p="http://schemas.openxmlformats.org/presentationml/2006/main">
+  <p:cSld>
+    <p:spTree>
+      <p:nvGrpSpPr>
+        <p:cNvPr id="1" name=""/>
+        <p:cNvGrpSpPr/>
+        <p:nvPr/>
+      </p:nvGrpSpPr>
+      <p:grpSpPr>
+        <a:xfrm>
+          <a:off x="0" y="0"/>
+          <a:ext cx="0" cy="0"/>
+          <a:chOff x="0" y="0"/>
+          <a:chExt cx="0" cy="0"/>
+        </a:xfrm>
+      </p:grpSpPr>
+      <p:sp>
+        <p:nvSpPr>
+          <p:cNvPr id="2" name="标题 1"/>
+          <p:cNvSpPr>
+            <a:spLocks noGrp="1"/>
+          </p:cNvSpPr>
+          <p:nvPr>
+            <p:ph type="title"/>
+          </p:nvPr>
+        </p:nvSpPr>
+        <p:spPr/>
+        <p:txBody>
+          <a:bodyPr>
+            <a:normAutofit fontScale="90000"/>
+          </a:bodyPr>
+          <a:lstStyle/>
+          <a:p>
+            <a:r>
+              <a:rPr lang="zh-CN" altLang="en-US" dirty="0"/>
+              <a:t>请</a:t>
+            </a:r>
+            <a:r>
+              <a:rPr lang="zh-CN" altLang="en-US" dirty="0" smtClean="0"/>
+              <a:t>求的编码与响应的解码是否在同一线程</a:t>
+            </a:r>
+            <a:r>
+              <a:rPr lang="en-US" altLang="zh-CN" dirty="0" smtClean="0"/>
+              <a:t>2</a:t>
+            </a:r>
+            <a:endParaRPr lang="zh-CN" altLang="en-US" dirty="0"/>
+          </a:p>
+        </p:txBody>
+      </p:sp>
+      <p:sp>
+        <p:nvSpPr>
+          <p:cNvPr id="3" name="内容占位符 2"/>
+          <p:cNvSpPr>
+            <a:spLocks noGrp="1"/>
+          </p:cNvSpPr>
+          <p:nvPr>
+            <p:ph idx="1"/>
+          </p:nvPr>
+        </p:nvSpPr>
+        <p:spPr/>
+        <p:txBody>
+          <a:bodyPr/>
+          <a:lstStyle/>
+          <a:p>
+            <a:r>
+              <a:rPr lang="zh-CN" altLang="en-US" dirty="0" smtClean="0"/>
+              <a:t>发起方法调用的调用的线程如何等待结果</a:t>
+            </a:r>
+            <a:endParaRPr lang="en-US" altLang="zh-CN" dirty="0" smtClean="0"/>
+          </a:p>
+          <a:p>
+            <a:pPr lvl="1"/>
+            <a:r>
+              <a:rPr lang="zh-CN" altLang="en-US" dirty="0" smtClean="0"/>
+              <a:t>在发起方法调用后，用</a:t>
+            </a:r>
+            <a:r>
+              <a:rPr lang="en-US" altLang="zh-CN" dirty="0" err="1" smtClean="0"/>
+              <a:t>jstack</a:t>
+            </a:r>
+            <a:r>
+              <a:rPr lang="zh-CN" altLang="en-US" dirty="0" smtClean="0"/>
+              <a:t>观察堆栈，很容易发现是</a:t>
+            </a:r>
+            <a:r>
+              <a:rPr lang="en-US" altLang="zh-CN" dirty="0" err="1" smtClean="0"/>
+              <a:t>DefaultFuture</a:t>
+            </a:r>
+            <a:r>
+              <a:rPr lang="en-US" altLang="zh-CN" dirty="0" smtClean="0"/>
+              <a:t> get</a:t>
+            </a:r>
+            <a:r>
+              <a:rPr lang="zh-CN" altLang="en-US" dirty="0" smtClean="0"/>
+              <a:t>做了等待</a:t>
+            </a:r>
+            <a:endParaRPr lang="en-US" altLang="zh-CN" dirty="0" smtClean="0"/>
+          </a:p>
+          <a:p>
+            <a:endParaRPr lang="en-US" altLang="zh-CN" dirty="0" smtClean="0"/>
+          </a:p>
+          <a:p>
+            <a:endParaRPr lang="zh-CN" altLang="en-US" dirty="0"/>
+          </a:p>
+        </p:txBody>
+      </p:sp>
+      <p:sp>
+        <p:nvSpPr>
+          <p:cNvPr id="4" name="日期占位符 3"/>
+          <p:cNvSpPr>
+            <a:spLocks noGrp="1"/>
+          </p:cNvSpPr>
+          <p:nvPr>
+            <p:ph type="dt" sz="half" idx="10"/>
+          </p:nvPr>
+        </p:nvSpPr>
+        <p:spPr/>
+        <p:txBody>
+          <a:bodyPr/>
+          <a:lstStyle/>
+          <a:p>
+            <a:fld id="{B34AA640-87DE-403B-AC78-F6FEE0B57B5D}" type="datetime1">
+              <a:rPr lang="zh-CN" altLang="en-US" smtClean="0"/>
+              <a:t>2016/9/7</a:t>
+            </a:fld>
+            <a:endParaRPr lang="zh-CN" altLang="en-US"/>
+          </a:p>
+        </p:txBody>
+      </p:sp>
+      <p:sp>
+        <p:nvSpPr>
+          <p:cNvPr id="5" name="灯片编号占位符 4"/>
+          <p:cNvSpPr>
+            <a:spLocks noGrp="1"/>
+          </p:cNvSpPr>
+          <p:nvPr>
+            <p:ph type="sldNum" sz="quarter" idx="12"/>
+          </p:nvPr>
+        </p:nvSpPr>
+        <p:spPr/>
+        <p:txBody>
+          <a:bodyPr/>
+          <a:lstStyle/>
+          <a:p>
+            <a:fld id="{0C913308-F349-4B6D-A68A-DD1791B4A57B}" type="slidenum">
+              <a:rPr lang="zh-CN" altLang="en-US" smtClean="0"/>
+              <a:t>14</a:t>
+            </a:fld>
+            <a:endParaRPr lang="zh-CN" altLang="en-US"/>
+          </a:p>
+        </p:txBody>
+      </p:sp>
+      <p:pic>
+        <p:nvPicPr>
+          <p:cNvPr id="2050" name="Picture 2" descr="C:\Users\chen.simon\AppData\Local\Temp\1m0kfy5o.axv.png"/>
+          <p:cNvPicPr>
+            <a:picLocks noChangeAspect="1" noChangeArrowheads="1"/>
+          </p:cNvPicPr>
+          <p:nvPr/>
+        </p:nvPicPr>
+        <p:blipFill>
+          <a:blip r:embed="rId2">
+            <a:extLst>
+              <a:ext uri="{28A0092B-C50C-407E-A947-70E740481C1C}">
+                <a14:useLocalDpi xmlns:a14="http://schemas.microsoft.com/office/drawing/2010/main" val="0"/>
+              </a:ext>
+            </a:extLst>
+          </a:blip>
+          <a:srcRect/>
+          <a:stretch>
+            <a:fillRect/>
+          </a:stretch>
+        </p:blipFill>
+        <p:spPr bwMode="auto">
+          <a:xfrm>
+            <a:off x="323529" y="3429001"/>
+            <a:ext cx="8496944" cy="1234534"/>
+          </a:xfrm>
+          <a:prstGeom prst="rect">
+            <a:avLst/>
+          </a:prstGeom>
+          <a:noFill/>
+          <a:extLst>
+            <a:ext uri="{909E8E84-426E-40DD-AFC4-6F175D3DCCD1}">
+              <a14:hiddenFill xmlns:a14="http://schemas.microsoft.com/office/drawing/2010/main">
+                <a:solidFill>
+                  <a:srgbClr val="FFFFFF"/>
+                </a:solidFill>
+              </a14:hiddenFill>
+            </a:ext>
+          </a:extLst>
+        </p:spPr>
+      </p:pic>
+    </p:spTree>
+    <p:extLst>
+      <p:ext uri="{BB962C8B-B14F-4D97-AF65-F5344CB8AC3E}">
+        <p14:creationId xmlns:p14="http://schemas.microsoft.com/office/powerpoint/2010/main" val="632842097"/>
+      </p:ext>
+    </p:extLst>
+  </p:cSld>
+  <p:clrMapOvr>
+    <a:masterClrMapping/>
+  </p:clrMapOvr>
+  <p:timing>
+    <p:tnLst>
+      <p:par>
+        <p:cTn id="1" dur="indefinite" restart="never" nodeType="tmRoot"/>
+      </p:par>
+    </p:tnLst>
+  </p:timing>
+</p:sld>
+</file>
+
+<file path=ppt/slides/slide15.xml><?xml version="1.0" encoding="utf-8"?>
+<p:sld xmlns:a="http://schemas.openxmlformats.org/drawingml/2006/main" xmlns:r="http://schemas.openxmlformats.org/officeDocument/2006/relationships" xmlns:p="http://schemas.openxmlformats.org/presentationml/2006/main">
+  <p:cSld>
+    <p:spTree>
+      <p:nvGrpSpPr>
+        <p:cNvPr id="1" name=""/>
+        <p:cNvGrpSpPr/>
+        <p:nvPr/>
+      </p:nvGrpSpPr>
+      <p:grpSpPr>
+        <a:xfrm>
+          <a:off x="0" y="0"/>
+          <a:ext cx="0" cy="0"/>
+          <a:chOff x="0" y="0"/>
+          <a:chExt cx="0" cy="0"/>
+        </a:xfrm>
+      </p:grpSpPr>
+      <p:sp>
+        <p:nvSpPr>
+          <p:cNvPr id="2" name="标题 1"/>
+          <p:cNvSpPr>
+            <a:spLocks noGrp="1"/>
+          </p:cNvSpPr>
+          <p:nvPr>
+            <p:ph type="title"/>
+          </p:nvPr>
+        </p:nvSpPr>
+        <p:spPr/>
+        <p:txBody>
+          <a:bodyPr/>
+          <a:lstStyle/>
+          <a:p>
+            <a:r>
+              <a:rPr lang="zh-CN" altLang="en-US" dirty="0" smtClean="0"/>
+              <a:t>服务的配置信息</a:t>
+            </a:r>
+            <a:endParaRPr lang="zh-CN" altLang="en-US" dirty="0"/>
+          </a:p>
+        </p:txBody>
+      </p:sp>
+      <p:sp>
+        <p:nvSpPr>
+          <p:cNvPr id="3" name="内容占位符 2"/>
+          <p:cNvSpPr>
+            <a:spLocks noGrp="1"/>
+          </p:cNvSpPr>
+          <p:nvPr>
+            <p:ph idx="1"/>
+          </p:nvPr>
+        </p:nvSpPr>
+        <p:spPr/>
+        <p:txBody>
+          <a:bodyPr>
+            <a:normAutofit/>
+          </a:bodyPr>
+          <a:lstStyle/>
+          <a:p>
+            <a:r>
+              <a:rPr lang="zh-CN" altLang="en-US" dirty="0" smtClean="0"/>
+              <a:t>服务的配置信息在</a:t>
+            </a:r>
+            <a:r>
+              <a:rPr lang="en-US" altLang="zh-CN" dirty="0" err="1" smtClean="0"/>
+              <a:t>dubbo</a:t>
+            </a:r>
+            <a:r>
+              <a:rPr lang="zh-CN" altLang="en-US" dirty="0" smtClean="0"/>
+              <a:t>内部是怎样表示的？以</a:t>
+            </a:r>
+            <a:r>
+              <a:rPr lang="en-US" altLang="zh-CN" dirty="0" err="1" smtClean="0"/>
+              <a:t>url</a:t>
+            </a:r>
+            <a:r>
+              <a:rPr lang="zh-CN" altLang="en-US" dirty="0" smtClean="0"/>
+              <a:t>的形式：</a:t>
+            </a:r>
+            <a:endParaRPr lang="en-US" altLang="zh-CN" dirty="0" smtClean="0"/>
+          </a:p>
+          <a:p>
+            <a:r>
+              <a:rPr lang="en-US" altLang="zh-CN" sz="1700" dirty="0">
+                <a:solidFill>
+                  <a:schemeClr val="tx2">
+                    <a:lumMod val="60000"/>
+                    <a:lumOff val="40000"/>
+                  </a:schemeClr>
+                </a:solidFill>
+              </a:rPr>
+              <a:t>dubbo://192.168.56.1:20890/org.simonme.dubbo.demo.provider.service.HelloService?anyhost=true&amp;application=consumer-of-helloworld-app&amp;check=false&amp;dubbo=2.4.9&amp;interface=org.simonme.dubbo.demo.provider.service.HelloService&amp;methods=sayHello&amp;pid=10196&amp;side=consumer&amp;timestamp=1472900387732</a:t>
+            </a:r>
+            <a:endParaRPr lang="en-US" altLang="zh-CN" sz="1700" dirty="0" smtClean="0">
+              <a:solidFill>
+                <a:schemeClr val="tx2">
+                  <a:lumMod val="60000"/>
+                  <a:lumOff val="40000"/>
+                </a:schemeClr>
+              </a:solidFill>
+            </a:endParaRPr>
+          </a:p>
+          <a:p>
+            <a:r>
+              <a:rPr lang="zh-CN" altLang="en-US" dirty="0" smtClean="0"/>
+              <a:t>调用过程中会在</a:t>
+            </a:r>
+            <a:r>
+              <a:rPr lang="en-US" altLang="zh-CN" dirty="0" err="1" smtClean="0"/>
+              <a:t>url</a:t>
+            </a:r>
+            <a:r>
+              <a:rPr lang="zh-CN" altLang="en-US" dirty="0" smtClean="0"/>
+              <a:t>中获取相应的配置项的值 比如</a:t>
+            </a:r>
+            <a:r>
+              <a:rPr lang="en-US" altLang="zh-CN" dirty="0" err="1" smtClean="0"/>
+              <a:t>MonitorFilter</a:t>
+            </a:r>
+            <a:r>
+              <a:rPr lang="zh-CN" altLang="en-US" dirty="0" smtClean="0"/>
+              <a:t>会在</a:t>
+            </a:r>
+            <a:r>
+              <a:rPr lang="en-US" altLang="zh-CN" dirty="0" err="1" smtClean="0"/>
+              <a:t>url</a:t>
+            </a:r>
+            <a:r>
+              <a:rPr lang="zh-CN" altLang="en-US" dirty="0" smtClean="0"/>
+              <a:t>中获取是否配置了需要监控</a:t>
+            </a:r>
+            <a:endParaRPr lang="zh-CN" altLang="en-US" dirty="0"/>
+          </a:p>
+        </p:txBody>
+      </p:sp>
+      <p:sp>
+        <p:nvSpPr>
+          <p:cNvPr id="4" name="日期占位符 3"/>
+          <p:cNvSpPr>
+            <a:spLocks noGrp="1"/>
+          </p:cNvSpPr>
+          <p:nvPr>
+            <p:ph type="dt" sz="half" idx="10"/>
+          </p:nvPr>
+        </p:nvSpPr>
+        <p:spPr/>
+        <p:txBody>
+          <a:bodyPr/>
+          <a:lstStyle/>
+          <a:p>
+            <a:fld id="{B34AA640-87DE-403B-AC78-F6FEE0B57B5D}" type="datetime1">
+              <a:rPr lang="zh-CN" altLang="en-US" smtClean="0"/>
+              <a:t>2016/9/7</a:t>
+            </a:fld>
+            <a:endParaRPr lang="zh-CN" altLang="en-US"/>
+          </a:p>
+        </p:txBody>
+      </p:sp>
+      <p:sp>
+        <p:nvSpPr>
+          <p:cNvPr id="5" name="灯片编号占位符 4"/>
+          <p:cNvSpPr>
+            <a:spLocks noGrp="1"/>
+          </p:cNvSpPr>
+          <p:nvPr>
+            <p:ph type="sldNum" sz="quarter" idx="12"/>
+          </p:nvPr>
+        </p:nvSpPr>
+        <p:spPr/>
+        <p:txBody>
+          <a:bodyPr/>
+          <a:lstStyle/>
+          <a:p>
+            <a:fld id="{0C913308-F349-4B6D-A68A-DD1791B4A57B}" type="slidenum">
+              <a:rPr lang="zh-CN" altLang="en-US" smtClean="0"/>
+              <a:t>15</a:t>
+            </a:fld>
+            <a:endParaRPr lang="zh-CN" altLang="en-US"/>
+          </a:p>
+        </p:txBody>
+      </p:sp>
+      <p:sp>
+        <p:nvSpPr>
+          <p:cNvPr id="8" name="TextBox 7"/>
+          <p:cNvSpPr txBox="1"/>
+          <p:nvPr/>
+        </p:nvSpPr>
+        <p:spPr>
+          <a:xfrm>
+            <a:off x="899592" y="5805264"/>
+            <a:ext cx="7656263" cy="369332"/>
+          </a:xfrm>
+          <a:prstGeom prst="rect">
+            <a:avLst/>
+          </a:prstGeom>
+          <a:noFill/>
+        </p:spPr>
+        <p:txBody>
+          <a:bodyPr wrap="none" rtlCol="0">
+            <a:spAutoFit/>
+          </a:bodyPr>
+          <a:lstStyle/>
+          <a:p>
+            <a:r>
+              <a:rPr lang="en-US" altLang="zh-CN" b="1" dirty="0">
+                <a:solidFill>
+                  <a:srgbClr val="7F0055"/>
+                </a:solidFill>
+                <a:highlight>
+                  <a:srgbClr val="E8F2FE"/>
+                </a:highlight>
+                <a:latin typeface="Consolas"/>
+              </a:rPr>
+              <a:t>if</a:t>
+            </a:r>
+            <a:r>
+              <a:rPr lang="en-US" altLang="zh-CN" b="1" dirty="0">
+                <a:solidFill>
+                  <a:srgbClr val="000000"/>
+                </a:solidFill>
+                <a:highlight>
+                  <a:srgbClr val="E8F2FE"/>
+                </a:highlight>
+                <a:latin typeface="Consolas"/>
+              </a:rPr>
+              <a:t> (</a:t>
+            </a:r>
+            <a:r>
+              <a:rPr lang="en-US" altLang="zh-CN" b="1" dirty="0" err="1">
+                <a:solidFill>
+                  <a:srgbClr val="000000"/>
+                </a:solidFill>
+                <a:highlight>
+                  <a:srgbClr val="E8F2FE"/>
+                </a:highlight>
+                <a:latin typeface="Consolas"/>
+              </a:rPr>
+              <a:t>invoker.getUrl</a:t>
+            </a:r>
+            <a:r>
+              <a:rPr lang="en-US" altLang="zh-CN" b="1" dirty="0">
+                <a:solidFill>
+                  <a:srgbClr val="000000"/>
+                </a:solidFill>
+                <a:highlight>
+                  <a:srgbClr val="E8F2FE"/>
+                </a:highlight>
+                <a:latin typeface="Consolas"/>
+              </a:rPr>
+              <a:t>().</a:t>
+            </a:r>
+            <a:r>
+              <a:rPr lang="en-US" altLang="zh-CN" b="1" dirty="0" err="1">
+                <a:solidFill>
+                  <a:srgbClr val="000000"/>
+                </a:solidFill>
+                <a:highlight>
+                  <a:srgbClr val="E8F2FE"/>
+                </a:highlight>
+                <a:latin typeface="Consolas"/>
+              </a:rPr>
+              <a:t>hasParameter</a:t>
+            </a:r>
+            <a:r>
+              <a:rPr lang="en-US" altLang="zh-CN" b="1" dirty="0">
+                <a:solidFill>
+                  <a:srgbClr val="000000"/>
+                </a:solidFill>
+                <a:highlight>
+                  <a:srgbClr val="E8F2FE"/>
+                </a:highlight>
+                <a:latin typeface="Consolas"/>
+              </a:rPr>
+              <a:t>(</a:t>
+            </a:r>
+            <a:r>
+              <a:rPr lang="en-US" altLang="zh-CN" b="1" dirty="0" err="1">
+                <a:solidFill>
+                  <a:srgbClr val="000000"/>
+                </a:solidFill>
+                <a:highlight>
+                  <a:srgbClr val="E8F2FE"/>
+                </a:highlight>
+                <a:latin typeface="Consolas"/>
+              </a:rPr>
+              <a:t>Constants.</a:t>
+            </a:r>
+            <a:r>
+              <a:rPr lang="en-US" altLang="zh-CN" b="1" i="1" dirty="0" err="1">
+                <a:solidFill>
+                  <a:srgbClr val="0000C0"/>
+                </a:solidFill>
+                <a:highlight>
+                  <a:srgbClr val="E8F2FE"/>
+                </a:highlight>
+                <a:latin typeface="Consolas"/>
+              </a:rPr>
+              <a:t>MONITOR_KEY</a:t>
+            </a:r>
+            <a:r>
+              <a:rPr lang="en-US" altLang="zh-CN" b="1" i="1" dirty="0">
+                <a:solidFill>
+                  <a:srgbClr val="000000"/>
+                </a:solidFill>
+                <a:highlight>
+                  <a:srgbClr val="E8F2FE"/>
+                </a:highlight>
+                <a:latin typeface="Consolas"/>
+              </a:rPr>
+              <a:t>)) {</a:t>
+            </a:r>
+            <a:endParaRPr lang="zh-CN" altLang="en-US" dirty="0"/>
+          </a:p>
+        </p:txBody>
+      </p:sp>
+    </p:spTree>
+    <p:extLst>
+      <p:ext uri="{BB962C8B-B14F-4D97-AF65-F5344CB8AC3E}">
+        <p14:creationId xmlns:p14="http://schemas.microsoft.com/office/powerpoint/2010/main" val="3643173477"/>
+      </p:ext>
+    </p:extLst>
+  </p:cSld>
+  <p:clrMapOvr>
+    <a:masterClrMapping/>
+  </p:clrMapOvr>
+  <p:timing>
+    <p:tnLst>
+      <p:par>
+        <p:cTn id="1" dur="indefinite" restart="never" nodeType="tmRoot"/>
+      </p:par>
+    </p:tnLst>
+  </p:timing>
+</p:sld>
+</file>
+
+<file path=ppt/slides/slide16.xml><?xml version="1.0" encoding="utf-8"?>
+<p:sld xmlns:a="http://schemas.openxmlformats.org/drawingml/2006/main" xmlns:r="http://schemas.openxmlformats.org/officeDocument/2006/relationships" xmlns:p="http://schemas.openxmlformats.org/presentationml/2006/main">
+  <p:cSld>
+    <p:spTree>
+      <p:nvGrpSpPr>
+        <p:cNvPr id="1" name=""/>
+        <p:cNvGrpSpPr/>
+        <p:nvPr/>
+      </p:nvGrpSpPr>
+      <p:grpSpPr>
+        <a:xfrm>
+          <a:off x="0" y="0"/>
+          <a:ext cx="0" cy="0"/>
+          <a:chOff x="0" y="0"/>
+          <a:chExt cx="0" cy="0"/>
+        </a:xfrm>
+      </p:grpSpPr>
+      <p:sp>
+        <p:nvSpPr>
+          <p:cNvPr id="2" name="标题 1"/>
+          <p:cNvSpPr>
+            <a:spLocks noGrp="1"/>
+          </p:cNvSpPr>
+          <p:nvPr>
+            <p:ph type="title"/>
+          </p:nvPr>
+        </p:nvSpPr>
+        <p:spPr/>
+        <p:txBody>
+          <a:bodyPr/>
+          <a:lstStyle/>
+          <a:p>
+            <a:r>
+              <a:rPr lang="en-US" altLang="zh-CN" dirty="0" err="1" smtClean="0"/>
+              <a:t>DubboInvoker</a:t>
+            </a:r>
+            <a:r>
+              <a:rPr lang="zh-CN" altLang="en-US" dirty="0" smtClean="0"/>
+              <a:t>实例何时创建</a:t>
+            </a:r>
+            <a:endParaRPr lang="zh-CN" altLang="en-US" dirty="0"/>
+          </a:p>
+        </p:txBody>
+      </p:sp>
+      <p:sp>
+        <p:nvSpPr>
+          <p:cNvPr id="3" name="内容占位符 2"/>
+          <p:cNvSpPr>
+            <a:spLocks noGrp="1"/>
+          </p:cNvSpPr>
+          <p:nvPr>
+            <p:ph idx="1"/>
+          </p:nvPr>
+        </p:nvSpPr>
+        <p:spPr/>
+        <p:txBody>
+          <a:bodyPr/>
+          <a:lstStyle/>
+          <a:p>
+            <a:r>
+              <a:rPr lang="zh-CN" altLang="en-US" dirty="0" smtClean="0"/>
+              <a:t>根据</a:t>
+            </a:r>
+            <a:r>
+              <a:rPr lang="en-US" altLang="zh-CN" dirty="0" err="1" smtClean="0"/>
+              <a:t>DubboInvoker</a:t>
+            </a:r>
+            <a:r>
+              <a:rPr lang="zh-CN" altLang="en-US" dirty="0" smtClean="0"/>
+              <a:t>实例创建的调用堆栈发现再回</a:t>
+            </a:r>
+            <a:r>
+              <a:rPr lang="en-US" altLang="zh-CN" dirty="0" smtClean="0"/>
+              <a:t>reference bean</a:t>
+            </a:r>
+            <a:r>
+              <a:rPr lang="zh-CN" altLang="en-US" dirty="0" smtClean="0"/>
+              <a:t>创建处分析</a:t>
+            </a:r>
+            <a:endParaRPr lang="en-US" altLang="zh-CN" dirty="0" smtClean="0"/>
+          </a:p>
+          <a:p>
+            <a:endParaRPr lang="zh-CN" altLang="en-US" dirty="0"/>
+          </a:p>
+        </p:txBody>
+      </p:sp>
+      <p:sp>
+        <p:nvSpPr>
+          <p:cNvPr id="4" name="日期占位符 3"/>
+          <p:cNvSpPr>
+            <a:spLocks noGrp="1"/>
+          </p:cNvSpPr>
+          <p:nvPr>
+            <p:ph type="dt" sz="half" idx="10"/>
+          </p:nvPr>
+        </p:nvSpPr>
+        <p:spPr/>
+        <p:txBody>
+          <a:bodyPr/>
+          <a:lstStyle/>
+          <a:p>
+            <a:fld id="{B34AA640-87DE-403B-AC78-F6FEE0B57B5D}" type="datetime1">
+              <a:rPr lang="zh-CN" altLang="en-US" smtClean="0"/>
+              <a:t>2016/9/7</a:t>
+            </a:fld>
+            <a:endParaRPr lang="zh-CN" altLang="en-US"/>
+          </a:p>
+        </p:txBody>
+      </p:sp>
+      <p:sp>
+        <p:nvSpPr>
+          <p:cNvPr id="5" name="灯片编号占位符 4"/>
+          <p:cNvSpPr>
+            <a:spLocks noGrp="1"/>
+          </p:cNvSpPr>
+          <p:nvPr>
+            <p:ph type="sldNum" sz="quarter" idx="12"/>
+          </p:nvPr>
+        </p:nvSpPr>
+        <p:spPr/>
+        <p:txBody>
+          <a:bodyPr/>
+          <a:lstStyle/>
+          <a:p>
+            <a:fld id="{0C913308-F349-4B6D-A68A-DD1791B4A57B}" type="slidenum">
+              <a:rPr lang="zh-CN" altLang="en-US" smtClean="0"/>
+              <a:t>16</a:t>
+            </a:fld>
+            <a:endParaRPr lang="zh-CN" altLang="en-US"/>
+          </a:p>
+        </p:txBody>
+      </p:sp>
+    </p:spTree>
+    <p:extLst>
+      <p:ext uri="{BB962C8B-B14F-4D97-AF65-F5344CB8AC3E}">
+        <p14:creationId xmlns:p14="http://schemas.microsoft.com/office/powerpoint/2010/main" val="1469404883"/>
+      </p:ext>
+    </p:extLst>
+  </p:cSld>
+  <p:clrMapOvr>
+    <a:masterClrMapping/>
+  </p:clrMapOvr>
+  <p:timing>
+    <p:tnLst>
+      <p:par>
+        <p:cTn id="1" dur="indefinite" restart="never" nodeType="tmRoot"/>
+      </p:par>
+    </p:tnLst>
+  </p:timing>
+</p:sld>
+</file>
+
+<file path=ppt/slides/slide17.xml><?xml version="1.0" encoding="utf-8"?>
+<p:sld xmlns:a="http://schemas.openxmlformats.org/drawingml/2006/main" xmlns:r="http://schemas.openxmlformats.org/officeDocument/2006/relationships" xmlns:p="http://schemas.openxmlformats.org/presentationml/2006/main">
+  <p:cSld>
+    <p:spTree>
+      <p:nvGrpSpPr>
+        <p:cNvPr id="1" name=""/>
+        <p:cNvGrpSpPr/>
+        <p:nvPr/>
+      </p:nvGrpSpPr>
+      <p:grpSpPr>
+        <a:xfrm>
+          <a:off x="0" y="0"/>
+          <a:ext cx="0" cy="0"/>
+          <a:chOff x="0" y="0"/>
+          <a:chExt cx="0" cy="0"/>
+        </a:xfrm>
+      </p:grpSpPr>
+      <p:sp>
+        <p:nvSpPr>
+          <p:cNvPr id="2" name="标题 1"/>
+          <p:cNvSpPr>
+            <a:spLocks noGrp="1"/>
+          </p:cNvSpPr>
+          <p:nvPr>
+            <p:ph type="title"/>
+          </p:nvPr>
+        </p:nvSpPr>
+        <p:spPr/>
+        <p:txBody>
+          <a:bodyPr/>
+          <a:lstStyle/>
+          <a:p>
+            <a:r>
+              <a:rPr lang="zh-CN" altLang="en-US" dirty="0"/>
+              <a:t>比较</a:t>
+            </a:r>
+            <a:r>
+              <a:rPr lang="zh-CN" altLang="en-US" dirty="0" smtClean="0"/>
+              <a:t>直连、注册中心调用差异</a:t>
+            </a:r>
+            <a:endParaRPr lang="zh-CN" altLang="en-US" dirty="0"/>
+          </a:p>
+        </p:txBody>
+      </p:sp>
+      <p:sp>
+        <p:nvSpPr>
+          <p:cNvPr id="3" name="内容占位符 2"/>
+          <p:cNvSpPr>
+            <a:spLocks noGrp="1"/>
+          </p:cNvSpPr>
+          <p:nvPr>
+            <p:ph idx="1"/>
+          </p:nvPr>
+        </p:nvSpPr>
+        <p:spPr/>
+        <p:txBody>
+          <a:bodyPr/>
+          <a:lstStyle/>
+          <a:p>
+            <a:endParaRPr lang="zh-CN" altLang="en-US"/>
+          </a:p>
+        </p:txBody>
+      </p:sp>
+      <p:sp>
+        <p:nvSpPr>
+          <p:cNvPr id="4" name="日期占位符 3"/>
+          <p:cNvSpPr>
+            <a:spLocks noGrp="1"/>
+          </p:cNvSpPr>
+          <p:nvPr>
+            <p:ph type="dt" sz="half" idx="10"/>
+          </p:nvPr>
+        </p:nvSpPr>
+        <p:spPr/>
+        <p:txBody>
+          <a:bodyPr/>
+          <a:lstStyle/>
+          <a:p>
+            <a:fld id="{B34AA640-87DE-403B-AC78-F6FEE0B57B5D}" type="datetime1">
+              <a:rPr lang="zh-CN" altLang="en-US" smtClean="0"/>
+              <a:t>2016/9/7</a:t>
+            </a:fld>
+            <a:endParaRPr lang="zh-CN" altLang="en-US"/>
+          </a:p>
+        </p:txBody>
+      </p:sp>
+      <p:sp>
+        <p:nvSpPr>
+          <p:cNvPr id="5" name="灯片编号占位符 4"/>
+          <p:cNvSpPr>
+            <a:spLocks noGrp="1"/>
+          </p:cNvSpPr>
+          <p:nvPr>
+            <p:ph type="sldNum" sz="quarter" idx="12"/>
+          </p:nvPr>
+        </p:nvSpPr>
+        <p:spPr/>
+        <p:txBody>
+          <a:bodyPr/>
+          <a:lstStyle/>
+          <a:p>
+            <a:fld id="{0C913308-F349-4B6D-A68A-DD1791B4A57B}" type="slidenum">
+              <a:rPr lang="zh-CN" altLang="en-US" smtClean="0"/>
+              <a:t>17</a:t>
+            </a:fld>
+            <a:endParaRPr lang="zh-CN" altLang="en-US"/>
+          </a:p>
+        </p:txBody>
+      </p:sp>
+    </p:spTree>
+    <p:extLst>
+      <p:ext uri="{BB962C8B-B14F-4D97-AF65-F5344CB8AC3E}">
+        <p14:creationId xmlns:p14="http://schemas.microsoft.com/office/powerpoint/2010/main" val="536364316"/>
       </p:ext>
     </p:extLst>
   </p:cSld>
@@ -4582,7 +6354,7 @@
           <a:p>
             <a:fld id="{9F5F70F1-CB5D-4B93-BC1F-645497FA59B9}" type="datetime1">
               <a:rPr lang="zh-CN" altLang="en-US" smtClean="0"/>
-              <a:t>2016/9/3</a:t>
+              <a:t>2016/9/7</a:t>
             </a:fld>
             <a:endParaRPr lang="zh-CN" altLang="en-US"/>
           </a:p>
@@ -5328,7 +7100,7 @@
           <a:p>
             <a:fld id="{A75E0B93-03BC-460F-9D5A-2E2449B501CF}" type="datetime1">
               <a:rPr lang="zh-CN" altLang="en-US" smtClean="0"/>
-              <a:t>2016/9/3</a:t>
+              <a:t>2016/9/7</a:t>
             </a:fld>
             <a:endParaRPr lang="zh-CN" altLang="en-US"/>
           </a:p>
@@ -5781,7 +7553,7 @@
           <a:p>
             <a:fld id="{B34AA640-87DE-403B-AC78-F6FEE0B57B5D}" type="datetime1">
               <a:rPr lang="zh-CN" altLang="en-US" smtClean="0"/>
-              <a:t>2016/9/3</a:t>
+              <a:t>2016/9/7</a:t>
             </a:fld>
             <a:endParaRPr lang="zh-CN" altLang="en-US"/>
           </a:p>
@@ -5968,7 +7740,7 @@
           <a:p>
             <a:fld id="{B34AA640-87DE-403B-AC78-F6FEE0B57B5D}" type="datetime1">
               <a:rPr lang="zh-CN" altLang="en-US" smtClean="0"/>
-              <a:t>2016/9/3</a:t>
+              <a:t>2016/9/7</a:t>
             </a:fld>
             <a:endParaRPr lang="zh-CN" altLang="en-US"/>
           </a:p>
@@ -6092,7 +7864,11 @@
           <a:p>
             <a:r>
               <a:rPr lang="zh-CN" altLang="en-US" dirty="0" smtClean="0"/>
-              <a:t>服务的配置信息</a:t>
+              <a:t>真正发起调用的地方</a:t>
+            </a:r>
+            <a:r>
+              <a:rPr lang="en-US" altLang="zh-CN" dirty="0" smtClean="0"/>
+              <a:t>1</a:t>
             </a:r>
             <a:endParaRPr lang="zh-CN" altLang="en-US" dirty="0"/>
           </a:p>
@@ -6111,81 +7887,54 @@
         <p:spPr/>
         <p:txBody>
           <a:bodyPr>
-            <a:normAutofit/>
+            <a:normAutofit lnSpcReduction="10000"/>
           </a:bodyPr>
           <a:lstStyle/>
           <a:p>
-            <a:r>
-              <a:rPr lang="zh-CN" altLang="en-US" dirty="0" smtClean="0"/>
-              <a:t>服务的配置信息在</a:t>
-            </a:r>
-            <a:r>
-              <a:rPr lang="en-US" altLang="zh-CN" dirty="0" err="1" smtClean="0"/>
-              <a:t>dubbo</a:t>
-            </a:r>
-            <a:r>
-              <a:rPr lang="zh-CN" altLang="en-US" dirty="0" smtClean="0"/>
-              <a:t>内部是怎样表示的？以</a:t>
-            </a:r>
-            <a:r>
-              <a:rPr lang="en-US" altLang="zh-CN" dirty="0" err="1" smtClean="0"/>
-              <a:t>url</a:t>
-            </a:r>
-            <a:r>
-              <a:rPr lang="zh-CN" altLang="en-US" dirty="0" smtClean="0"/>
-              <a:t>的形式：</a:t>
-            </a:r>
             <a:endParaRPr lang="en-US" altLang="zh-CN" dirty="0" smtClean="0"/>
           </a:p>
           <a:p>
-            <a:r>
-              <a:rPr lang="en-US" altLang="zh-CN" sz="1700" dirty="0">
-                <a:solidFill>
-                  <a:schemeClr val="tx2">
-                    <a:lumMod val="60000"/>
-                    <a:lumOff val="40000"/>
-                  </a:schemeClr>
-                </a:solidFill>
-              </a:rPr>
-              <a:t>dubbo://192.168.56.1:20890/org.simonme.dubbo.demo.provider.service.HelloService?anyhost=true&amp;application=consumer-of-helloworld-app&amp;check=false&amp;dubbo=2.4.9&amp;interface=org.simonme.dubbo.demo.provider.service.HelloService&amp;methods=sayHello&amp;pid=10196&amp;side=consumer&amp;timestamp=1472900387732</a:t>
-            </a:r>
-            <a:endParaRPr lang="en-US" altLang="zh-CN" sz="1700" dirty="0" smtClean="0">
-              <a:solidFill>
-                <a:schemeClr val="tx2">
-                  <a:lumMod val="60000"/>
-                  <a:lumOff val="40000"/>
-                </a:schemeClr>
-              </a:solidFill>
-            </a:endParaRPr>
-          </a:p>
-          <a:p>
-            <a:r>
-              <a:rPr lang="zh-CN" altLang="en-US" dirty="0" smtClean="0"/>
-              <a:t>调用过程中会在</a:t>
-            </a:r>
-            <a:r>
-              <a:rPr lang="en-US" altLang="zh-CN" dirty="0" err="1" smtClean="0"/>
-              <a:t>url</a:t>
-            </a:r>
-            <a:r>
-              <a:rPr lang="zh-CN" altLang="en-US" dirty="0" smtClean="0"/>
-              <a:t>中获取相应的配置项的值 比如</a:t>
-            </a:r>
-            <a:r>
-              <a:rPr lang="en-US" altLang="zh-CN" dirty="0" err="1" smtClean="0"/>
-              <a:t>MonitorFilter</a:t>
-            </a:r>
-            <a:r>
-              <a:rPr lang="zh-CN" altLang="en-US" dirty="0" smtClean="0"/>
-              <a:t>会在</a:t>
-            </a:r>
-            <a:r>
-              <a:rPr lang="en-US" altLang="zh-CN" dirty="0" err="1" smtClean="0"/>
-              <a:t>url</a:t>
-            </a:r>
-            <a:r>
-              <a:rPr lang="zh-CN" altLang="en-US" dirty="0" smtClean="0"/>
-              <a:t>中获取是否配置了需要监控</a:t>
+            <a:endParaRPr lang="en-US" altLang="zh-CN" dirty="0"/>
+          </a:p>
+          <a:p>
+            <a:endParaRPr lang="en-US" altLang="zh-CN" dirty="0" smtClean="0"/>
+          </a:p>
+          <a:p>
+            <a:endParaRPr lang="en-US" altLang="zh-CN" dirty="0"/>
+          </a:p>
+          <a:p>
+            <a:endParaRPr lang="en-US" altLang="zh-CN" dirty="0" smtClean="0"/>
+          </a:p>
+          <a:p>
+            <a:endParaRPr lang="en-US" altLang="zh-CN" dirty="0"/>
+          </a:p>
+          <a:p>
+            <a:endParaRPr lang="en-US" altLang="zh-CN" dirty="0" smtClean="0"/>
+          </a:p>
+          <a:p>
+            <a:r>
+              <a:rPr lang="zh-CN" altLang="en-US" dirty="0"/>
+              <a:t>此</a:t>
+            </a:r>
+            <a:r>
+              <a:rPr lang="zh-CN" altLang="en-US" dirty="0" smtClean="0"/>
+              <a:t>处</a:t>
+            </a:r>
+            <a:r>
+              <a:rPr lang="en-US" altLang="zh-CN" dirty="0" smtClean="0"/>
+              <a:t>98</a:t>
+            </a:r>
+            <a:r>
+              <a:rPr lang="zh-CN" altLang="en-US" dirty="0" smtClean="0"/>
+              <a:t>行会真正将请求写入给</a:t>
+            </a:r>
+            <a:r>
+              <a:rPr lang="en-US" altLang="zh-CN" dirty="0" smtClean="0"/>
+              <a:t>provider</a:t>
+            </a:r>
+            <a:r>
+              <a:rPr lang="zh-CN" altLang="en-US" dirty="0" smtClean="0"/>
+              <a:t>侧</a:t>
             </a:r>
             <a:endParaRPr lang="zh-CN" altLang="en-US" dirty="0"/>
           </a:p>
@@ -6208,7 +7957,7 @@
           <a:p>
             <a:fld id="{B34AA640-87DE-403B-AC78-F6FEE0B57B5D}" type="datetime1">
               <a:rPr lang="zh-CN" altLang="en-US" smtClean="0"/>
-              <a:t>2016/9/3</a:t>
+              <a:t>2016/9/7</a:t>
             </a:fld>
             <a:endParaRPr lang="zh-CN" altLang="en-US"/>
           </a:p>
@@ -6237,150 +7986,64 @@
           </a:p>
         </p:txBody>
       </p:sp>
-      <p:sp>
-        <p:nvSpPr>
-          <p:cNvPr id="8" name="TextBox 7"/>
-          <p:cNvSpPr txBox="1"/>
+      <p:pic>
+        <p:nvPicPr>
+          <p:cNvPr id="1026" name="Picture 2" descr="C:\Users\chen.simon\AppData\Local\Temp\fh5ap3qq.u2f.png"/>
+          <p:cNvPicPr>
+            <a:picLocks noChangeAspect="1" noChangeArrowheads="1"/>
+          </p:cNvPicPr>
           <p:nvPr/>
-        </p:nvSpPr>
-        <p:spPr>
+        </p:nvPicPr>
+        <p:blipFill>
+          <a:blip r:embed="rId2">
+            <a:extLst>
+              <a:ext uri="{28A0092B-C50C-407E-A947-70E740481C1C}">
+                <a14:useLocalDpi xmlns:a14="http://schemas.microsoft.com/office/drawing/2010/main" val="0"/>
+              </a:ext>
+            </a:extLst>
+          </a:blip>
+          <a:srcRect/>
+          <a:stretch>
+            <a:fillRect/>
+          </a:stretch>
+        </p:blipFill>
+        <p:spPr bwMode="auto">
           <a:xfrm>
-            <a:off x="899592" y="5805264"/>
-            <a:ext cx="7656263" cy="369332"/>
+            <a:off x="827584" y="1988840"/>
+            <a:ext cx="6553200" cy="3333750"/>
           </a:xfrm>
           <a:prstGeom prst="rect">
             <a:avLst/>
           </a:prstGeom>
           <a:noFill/>
+          <a:extLst>
+            <a:ext uri="{909E8E84-426E-40DD-AFC4-6F175D3DCCD1}">
+              <a14:hiddenFill xmlns:a14="http://schemas.microsoft.com/office/drawing/2010/main">
+                <a:solidFill>
+                  <a:srgbClr val="FFFFFF"/>
+                </a:solidFill>
+              </a14:hiddenFill>
+            </a:ext>
+          </a:extLst>
         </p:spPr>
-        <p:txBody>
-          <a:bodyPr wrap="none" rtlCol="0">
-            <a:spAutoFit/>
-          </a:bodyPr>
-          <a:lstStyle/>
-          <a:p>
-            <a:r>
-              <a:rPr lang="en-US" altLang="zh-CN" b="1" dirty="0">
-                <a:solidFill>
-                  <a:srgbClr val="7F0055"/>
-                </a:solidFill>
-                <a:highlight>
-                  <a:srgbClr val="E8F2FE"/>
-                </a:highlight>
-                <a:latin typeface="Consolas"/>
-              </a:rPr>
-              <a:t>if</a:t>
-            </a:r>
-            <a:r>
-              <a:rPr lang="en-US" altLang="zh-CN" b="1" dirty="0">
-                <a:solidFill>
-                  <a:srgbClr val="000000"/>
-                </a:solidFill>
-                <a:highlight>
-                  <a:srgbClr val="E8F2FE"/>
-                </a:highlight>
-                <a:latin typeface="Consolas"/>
-              </a:rPr>
-              <a:t> (</a:t>
-            </a:r>
-            <a:r>
-              <a:rPr lang="en-US" altLang="zh-CN" b="1" dirty="0" err="1">
-                <a:solidFill>
-                  <a:srgbClr val="000000"/>
-                </a:solidFill>
-                <a:highlight>
-                  <a:srgbClr val="E8F2FE"/>
-                </a:highlight>
-                <a:latin typeface="Consolas"/>
-              </a:rPr>
-              <a:t>invoker.getUrl</a:t>
-            </a:r>
-            <a:r>
-              <a:rPr lang="en-US" altLang="zh-CN" b="1" dirty="0">
-                <a:solidFill>
-                  <a:srgbClr val="000000"/>
-                </a:solidFill>
-                <a:highlight>
-                  <a:srgbClr val="E8F2FE"/>
-                </a:highlight>
-                <a:latin typeface="Consolas"/>
-              </a:rPr>
-              <a:t>().</a:t>
-            </a:r>
-            <a:r>
-              <a:rPr lang="en-US" altLang="zh-CN" b="1" dirty="0" err="1">
-                <a:solidFill>
-                  <a:srgbClr val="000000"/>
-                </a:solidFill>
-                <a:highlight>
-                  <a:srgbClr val="E8F2FE"/>
-                </a:highlight>
-                <a:latin typeface="Consolas"/>
-              </a:rPr>
-              <a:t>hasParameter</a:t>
-            </a:r>
-            <a:r>
-              <a:rPr lang="en-US" altLang="zh-CN" b="1" dirty="0">
-                <a:solidFill>
-                  <a:srgbClr val="000000"/>
-                </a:solidFill>
-                <a:highlight>
-                  <a:srgbClr val="E8F2FE"/>
-                </a:highlight>
-                <a:latin typeface="Consolas"/>
-              </a:rPr>
-              <a:t>(</a:t>
-            </a:r>
-            <a:r>
-              <a:rPr lang="en-US" altLang="zh-CN" b="1" dirty="0" err="1">
-                <a:solidFill>
-                  <a:srgbClr val="000000"/>
-                </a:solidFill>
-                <a:highlight>
-                  <a:srgbClr val="E8F2FE"/>
-                </a:highlight>
-                <a:latin typeface="Consolas"/>
-              </a:rPr>
-              <a:t>Constants.</a:t>
-            </a:r>
-            <a:r>
-              <a:rPr lang="en-US" altLang="zh-CN" b="1" i="1" dirty="0" err="1">
-                <a:solidFill>
-                  <a:srgbClr val="0000C0"/>
-                </a:solidFill>
-                <a:highlight>
-                  <a:srgbClr val="E8F2FE"/>
-                </a:highlight>
-                <a:latin typeface="Consolas"/>
-              </a:rPr>
-              <a:t>MONITOR_KEY</a:t>
-            </a:r>
-            <a:r>
-              <a:rPr lang="en-US" altLang="zh-CN" b="1" i="1" dirty="0">
-                <a:solidFill>
-                  <a:srgbClr val="000000"/>
-                </a:solidFill>
-                <a:highlight>
-                  <a:srgbClr val="E8F2FE"/>
-                </a:highlight>
-                <a:latin typeface="Consolas"/>
-              </a:rPr>
-              <a:t>)) {</a:t>
-            </a:r>
-            <a:endParaRPr lang="zh-CN" altLang="en-US" dirty="0"/>
-          </a:p>
-        </p:txBody>
-      </p:sp>
+      </p:pic>
     </p:spTree>
     <p:extLst>
       <p:ext uri="{BB962C8B-B14F-4D97-AF65-F5344CB8AC3E}">
-        <p14:creationId xmlns:p14="http://schemas.microsoft.com/office/powerpoint/2010/main" val="3643173477"/>
+        <p14:creationId xmlns:p14="http://schemas.microsoft.com/office/powerpoint/2010/main" val="518233146"/>
       </p:ext>
     </p:extLst>
   </p:cSld>
   <p:clrMapOvr>
     <a:masterClrMapping/>
   </p:clrMapOvr>
+  <p:timing>
+    <p:tnLst>
+      <p:par>
+        <p:cTn id="1" dur="indefinite" restart="never" nodeType="tmRoot"/>
+      </p:par>
+    </p:tnLst>
+  </p:timing>
 </p:sld>
 </file>
 
@@ -6417,12 +8080,12 @@
           <a:lstStyle/>
           <a:p>
             <a:r>
-              <a:rPr lang="en-US" altLang="zh-CN" dirty="0" err="1" smtClean="0"/>
-              <a:t>DubboInvoker</a:t>
-            </a:r>
-            <a:r>
-              <a:rPr lang="zh-CN" altLang="en-US" dirty="0" smtClean="0"/>
-              <a:t>实例何时创建</a:t>
+              <a:rPr lang="zh-CN" altLang="en-US" dirty="0" smtClean="0"/>
+              <a:t>真正发起调用的地方</a:t>
+            </a:r>
+            <a:r>
+              <a:rPr lang="en-US" altLang="zh-CN" dirty="0" smtClean="0"/>
+              <a:t>2</a:t>
             </a:r>
             <a:endParaRPr lang="zh-CN" altLang="en-US" dirty="0"/>
           </a:p>
@@ -6440,32 +8103,46 @@
         </p:nvSpPr>
         <p:spPr/>
         <p:txBody>
-          <a:bodyPr/>
-          <a:lstStyle/>
-          <a:p>
-            <a:r>
-              <a:rPr lang="zh-CN" altLang="en-US" dirty="0" smtClean="0"/>
-              <a:t>根据</a:t>
-            </a:r>
-            <a:r>
-              <a:rPr lang="en-US" altLang="zh-CN" dirty="0" err="1" smtClean="0"/>
-              <a:t>DubboInvoker</a:t>
-            </a:r>
-            <a:r>
-              <a:rPr lang="zh-CN" altLang="en-US" dirty="0" smtClean="0"/>
-              <a:t>实例创建的调用堆栈发现再回</a:t>
+          <a:bodyPr>
+            <a:normAutofit/>
+          </a:bodyPr>
+          <a:lstStyle/>
+          <a:p>
+            <a:endParaRPr lang="en-US" altLang="zh-CN" dirty="0" smtClean="0"/>
+          </a:p>
+          <a:p>
+            <a:endParaRPr lang="en-US" altLang="zh-CN" dirty="0"/>
+          </a:p>
+          <a:p>
+            <a:endParaRPr lang="en-US" altLang="zh-CN" dirty="0" smtClean="0"/>
+          </a:p>
+          <a:p>
+            <a:endParaRPr lang="en-US" altLang="zh-CN" dirty="0"/>
+          </a:p>
+          <a:p>
+            <a:endParaRPr lang="en-US" altLang="zh-CN" dirty="0" smtClean="0"/>
+          </a:p>
+          <a:p>
+            <a:r>
+              <a:rPr lang="zh-CN" altLang="en-US" dirty="0" smtClean="0"/>
+              <a:t>上一页的</a:t>
             </a:r>
             <a:r>
               <a:rPr lang="en-US" altLang="zh-CN" dirty="0" smtClean="0"/>
-              <a:t>reference bean</a:t>
-            </a:r>
-            <a:r>
-              <a:rPr lang="zh-CN" altLang="en-US" dirty="0" smtClean="0"/>
-              <a:t>创建处分析</a:t>
-            </a:r>
-            <a:endParaRPr lang="en-US" altLang="zh-CN" dirty="0" smtClean="0"/>
-          </a:p>
-          <a:p>
+              <a:t>98</a:t>
+            </a:r>
+            <a:r>
+              <a:rPr lang="zh-CN" altLang="en-US" dirty="0" smtClean="0"/>
+              <a:t>行执行完之后，</a:t>
+            </a:r>
+            <a:r>
+              <a:rPr lang="en-US" altLang="zh-CN" dirty="0" smtClean="0"/>
+              <a:t>provider</a:t>
+            </a:r>
+            <a:r>
+              <a:rPr lang="zh-CN" altLang="en-US" dirty="0" smtClean="0"/>
+              <a:t>侧就会打出这条问候</a:t>
+            </a:r>
             <a:endParaRPr lang="zh-CN" altLang="en-US" dirty="0"/>
           </a:p>
         </p:txBody>
@@ -6487,7 +8164,7 @@
           <a:p>
             <a:fld id="{B34AA640-87DE-403B-AC78-F6FEE0B57B5D}" type="datetime1">
               <a:rPr lang="zh-CN" altLang="en-US" smtClean="0"/>
-              <a:t>2016/9/3</a:t>
+              <a:t>2016/9/7</a:t>
             </a:fld>
             <a:endParaRPr lang="zh-CN" altLang="en-US"/>
           </a:p>
@@ -6516,16 +8193,64 @@
           </a:p>
         </p:txBody>
       </p:sp>
+      <p:pic>
+        <p:nvPicPr>
+          <p:cNvPr id="2052" name="Picture 4" descr="C:\Users\chen.simon\AppData\Local\Temp\4m5rqbxl.bvt.png"/>
+          <p:cNvPicPr>
+            <a:picLocks noChangeAspect="1" noChangeArrowheads="1"/>
+          </p:cNvPicPr>
+          <p:nvPr/>
+        </p:nvPicPr>
+        <p:blipFill>
+          <a:blip r:embed="rId2">
+            <a:extLst>
+              <a:ext uri="{28A0092B-C50C-407E-A947-70E740481C1C}">
+                <a14:useLocalDpi xmlns:a14="http://schemas.microsoft.com/office/drawing/2010/main" val="0"/>
+              </a:ext>
+            </a:extLst>
+          </a:blip>
+          <a:srcRect/>
+          <a:stretch>
+            <a:fillRect/>
+          </a:stretch>
+        </p:blipFill>
+        <p:spPr bwMode="auto">
+          <a:xfrm>
+            <a:off x="539552" y="1916832"/>
+            <a:ext cx="6543675" cy="1971676"/>
+          </a:xfrm>
+          <a:prstGeom prst="rect">
+            <a:avLst/>
+          </a:prstGeom>
+          <a:noFill/>
+          <a:extLst>
+            <a:ext uri="{909E8E84-426E-40DD-AFC4-6F175D3DCCD1}">
+              <a14:hiddenFill xmlns:a14="http://schemas.microsoft.com/office/drawing/2010/main">
+                <a:solidFill>
+                  <a:srgbClr val="FFFFFF"/>
+                </a:solidFill>
+              </a14:hiddenFill>
+            </a:ext>
+          </a:extLst>
+        </p:spPr>
+      </p:pic>
     </p:spTree>
     <p:extLst>
       <p:ext uri="{BB962C8B-B14F-4D97-AF65-F5344CB8AC3E}">
-        <p14:creationId xmlns:p14="http://schemas.microsoft.com/office/powerpoint/2010/main" val="1469404883"/>
+        <p14:creationId xmlns:p14="http://schemas.microsoft.com/office/powerpoint/2010/main" val="1977540868"/>
       </p:ext>
     </p:extLst>
   </p:cSld>
   <p:clrMapOvr>
     <a:masterClrMapping/>
   </p:clrMapOvr>
+  <p:timing>
+    <p:tnLst>
+      <p:par>
+        <p:cTn id="1" dur="indefinite" restart="never" nodeType="tmRoot"/>
+      </p:par>
+    </p:tnLst>
+  </p:timing>
 </p:sld>
 </file>
 
@@ -6563,11 +8288,15 @@
           <a:p>
             <a:r>
               <a:rPr lang="zh-CN" altLang="en-US" dirty="0"/>
-              <a:t>比较</a:t>
-            </a:r>
-            <a:r>
-              <a:rPr lang="zh-CN" altLang="en-US" dirty="0" smtClean="0"/>
-              <a:t>直连、注册中心调用差异</a:t>
+              <a:t>真正发起调用的地</a:t>
+            </a:r>
+            <a:r>
+              <a:rPr lang="zh-CN" altLang="en-US" dirty="0" smtClean="0"/>
+              <a:t>方</a:t>
+            </a:r>
+            <a:r>
+              <a:rPr lang="en-US" altLang="zh-CN" dirty="0" smtClean="0"/>
+              <a:t>3</a:t>
             </a:r>
             <a:endParaRPr lang="zh-CN" altLang="en-US" dirty="0"/>
           </a:p>
@@ -6588,7 +8317,15 @@
           <a:bodyPr/>
           <a:lstStyle/>
           <a:p>
-            <a:endParaRPr lang="zh-CN" altLang="en-US"/>
+            <a:r>
+              <a:rPr lang="zh-CN" altLang="en-US" dirty="0"/>
+              <a:t>调</a:t>
+            </a:r>
+            <a:r>
+              <a:rPr lang="zh-CN" altLang="en-US" dirty="0" smtClean="0"/>
+              <a:t>用堆栈</a:t>
+            </a:r>
+            <a:endParaRPr lang="zh-CN" altLang="en-US" dirty="0"/>
           </a:p>
         </p:txBody>
       </p:sp>
@@ -6609,7 +8346,7 @@
           <a:p>
             <a:fld id="{B34AA640-87DE-403B-AC78-F6FEE0B57B5D}" type="datetime1">
               <a:rPr lang="zh-CN" altLang="en-US" smtClean="0"/>
-              <a:t>2016/9/3</a:t>
+              <a:t>2016/9/7</a:t>
             </a:fld>
             <a:endParaRPr lang="zh-CN" altLang="en-US"/>
           </a:p>
@@ -6638,16 +8375,388 @@
           </a:p>
         </p:txBody>
       </p:sp>
+      <p:pic>
+        <p:nvPicPr>
+          <p:cNvPr id="3074" name="Picture 2" descr="C:\Users\chen.simon\AppData\Local\Temp\n0ccagyj.h1f.png"/>
+          <p:cNvPicPr>
+            <a:picLocks noChangeAspect="1" noChangeArrowheads="1"/>
+          </p:cNvPicPr>
+          <p:nvPr/>
+        </p:nvPicPr>
+        <p:blipFill>
+          <a:blip r:embed="rId2">
+            <a:extLst>
+              <a:ext uri="{28A0092B-C50C-407E-A947-70E740481C1C}">
+                <a14:useLocalDpi xmlns:a14="http://schemas.microsoft.com/office/drawing/2010/main" val="0"/>
+              </a:ext>
+            </a:extLst>
+          </a:blip>
+          <a:srcRect/>
+          <a:stretch>
+            <a:fillRect/>
+          </a:stretch>
+        </p:blipFill>
+        <p:spPr bwMode="auto">
+          <a:xfrm>
+            <a:off x="539552" y="2276872"/>
+            <a:ext cx="5572125" cy="4371975"/>
+          </a:xfrm>
+          <a:prstGeom prst="rect">
+            <a:avLst/>
+          </a:prstGeom>
+          <a:noFill/>
+          <a:extLst>
+            <a:ext uri="{909E8E84-426E-40DD-AFC4-6F175D3DCCD1}">
+              <a14:hiddenFill xmlns:a14="http://schemas.microsoft.com/office/drawing/2010/main">
+                <a:solidFill>
+                  <a:srgbClr val="FFFFFF"/>
+                </a:solidFill>
+              </a14:hiddenFill>
+            </a:ext>
+          </a:extLst>
+        </p:spPr>
+      </p:pic>
     </p:spTree>
     <p:extLst>
       <p:ext uri="{BB962C8B-B14F-4D97-AF65-F5344CB8AC3E}">
-        <p14:creationId xmlns:p14="http://schemas.microsoft.com/office/powerpoint/2010/main" val="536364316"/>
+        <p14:creationId xmlns:p14="http://schemas.microsoft.com/office/powerpoint/2010/main" val="2705336829"/>
       </p:ext>
     </p:extLst>
   </p:cSld>
   <p:clrMapOvr>
     <a:masterClrMapping/>
   </p:clrMapOvr>
+  <p:timing>
+    <p:tnLst>
+      <p:par>
+        <p:cTn id="1" dur="indefinite" restart="never" nodeType="tmRoot"/>
+      </p:par>
+    </p:tnLst>
+  </p:timing>
+</p:sld>
+</file>
+
+<file path=ppt/slides/slide9.xml><?xml version="1.0" encoding="utf-8"?>
+<p:sld xmlns:a="http://schemas.openxmlformats.org/drawingml/2006/main" xmlns:r="http://schemas.openxmlformats.org/officeDocument/2006/relationships" xmlns:p="http://schemas.openxmlformats.org/presentationml/2006/main">
+  <p:cSld>
+    <p:spTree>
+      <p:nvGrpSpPr>
+        <p:cNvPr id="1" name=""/>
+        <p:cNvGrpSpPr/>
+        <p:nvPr/>
+      </p:nvGrpSpPr>
+      <p:grpSpPr>
+        <a:xfrm>
+          <a:off x="0" y="0"/>
+          <a:ext cx="0" cy="0"/>
+          <a:chOff x="0" y="0"/>
+          <a:chExt cx="0" cy="0"/>
+        </a:xfrm>
+      </p:grpSpPr>
+      <p:sp>
+        <p:nvSpPr>
+          <p:cNvPr id="2" name="标题 1"/>
+          <p:cNvSpPr>
+            <a:spLocks noGrp="1"/>
+          </p:cNvSpPr>
+          <p:nvPr>
+            <p:ph type="title"/>
+          </p:nvPr>
+        </p:nvSpPr>
+        <p:spPr/>
+        <p:txBody>
+          <a:bodyPr/>
+          <a:lstStyle/>
+          <a:p>
+            <a:r>
+              <a:rPr lang="zh-CN" altLang="en-US" dirty="0"/>
+              <a:t>调</a:t>
+            </a:r>
+            <a:r>
+              <a:rPr lang="zh-CN" altLang="en-US" dirty="0" smtClean="0"/>
+              <a:t>用的请求如何编码</a:t>
+            </a:r>
+            <a:r>
+              <a:rPr lang="en-US" altLang="zh-CN" dirty="0" smtClean="0"/>
+              <a:t>1</a:t>
+            </a:r>
+            <a:endParaRPr lang="zh-CN" altLang="en-US" dirty="0"/>
+          </a:p>
+        </p:txBody>
+      </p:sp>
+      <p:sp>
+        <p:nvSpPr>
+          <p:cNvPr id="3" name="内容占位符 2"/>
+          <p:cNvSpPr>
+            <a:spLocks noGrp="1"/>
+          </p:cNvSpPr>
+          <p:nvPr>
+            <p:ph idx="1"/>
+          </p:nvPr>
+        </p:nvSpPr>
+        <p:spPr/>
+        <p:txBody>
+          <a:bodyPr>
+            <a:normAutofit lnSpcReduction="10000"/>
+          </a:bodyPr>
+          <a:lstStyle/>
+          <a:p>
+            <a:r>
+              <a:rPr lang="zh-CN" altLang="en-US" dirty="0" smtClean="0"/>
+              <a:t>过程：</a:t>
+            </a:r>
+            <a:endParaRPr lang="en-US" altLang="zh-CN" dirty="0" smtClean="0"/>
+          </a:p>
+          <a:p>
+            <a:r>
+              <a:rPr lang="zh-CN" altLang="en-US" dirty="0" smtClean="0"/>
+              <a:t>调用的请求会被统一封装成</a:t>
+            </a:r>
+            <a:r>
+              <a:rPr lang="en-US" altLang="zh-CN" dirty="0" err="1" smtClean="0"/>
+              <a:t>dubbo</a:t>
+            </a:r>
+            <a:r>
+              <a:rPr lang="zh-CN" altLang="en-US" dirty="0" smtClean="0"/>
+              <a:t>的</a:t>
+            </a:r>
+            <a:r>
+              <a:rPr lang="en-US" altLang="zh-CN" dirty="0" smtClean="0"/>
+              <a:t>Request</a:t>
+            </a:r>
+            <a:r>
+              <a:rPr lang="zh-CN" altLang="en-US" dirty="0" smtClean="0"/>
+              <a:t>对象</a:t>
+            </a:r>
+            <a:endParaRPr lang="en-US" altLang="zh-CN" dirty="0" smtClean="0"/>
+          </a:p>
+          <a:p>
+            <a:r>
+              <a:rPr lang="zh-CN" altLang="en-US" dirty="0"/>
+              <a:t>经</a:t>
+            </a:r>
+            <a:r>
+              <a:rPr lang="zh-CN" altLang="en-US" dirty="0" smtClean="0"/>
+              <a:t>过</a:t>
+            </a:r>
+            <a:r>
+              <a:rPr lang="en-US" altLang="zh-CN" dirty="0" err="1" smtClean="0"/>
+              <a:t>dubbo</a:t>
+            </a:r>
+            <a:r>
+              <a:rPr lang="zh-CN" altLang="en-US" dirty="0" smtClean="0"/>
+              <a:t>的</a:t>
+            </a:r>
+            <a:r>
+              <a:rPr lang="en-US" altLang="zh-CN" dirty="0" err="1">
+                <a:solidFill>
+                  <a:srgbClr val="000000"/>
+                </a:solidFill>
+                <a:highlight>
+                  <a:srgbClr val="E8F2FE"/>
+                </a:highlight>
+                <a:latin typeface="Consolas"/>
+              </a:rPr>
+              <a:t>DubboCodec</a:t>
+            </a:r>
+            <a:r>
+              <a:rPr lang="zh-CN" altLang="en-US" dirty="0" smtClean="0"/>
+              <a:t>的</a:t>
+            </a:r>
+            <a:r>
+              <a:rPr lang="en-US" altLang="zh-CN" dirty="0" err="1">
+                <a:solidFill>
+                  <a:srgbClr val="000000"/>
+                </a:solidFill>
+                <a:highlight>
+                  <a:srgbClr val="D4D4D4"/>
+                </a:highlight>
+                <a:latin typeface="Consolas"/>
+              </a:rPr>
+              <a:t>encodeRequest</a:t>
+            </a:r>
+            <a:r>
+              <a:rPr lang="en-US" altLang="zh-CN" dirty="0">
+                <a:solidFill>
+                  <a:srgbClr val="000000"/>
+                </a:solidFill>
+                <a:highlight>
+                  <a:srgbClr val="D4D4D4"/>
+                </a:highlight>
+                <a:latin typeface="Consolas"/>
+              </a:rPr>
+              <a:t>(</a:t>
+            </a:r>
+            <a:r>
+              <a:rPr lang="en-US" altLang="zh-CN" dirty="0" err="1">
+                <a:solidFill>
+                  <a:srgbClr val="000000"/>
+                </a:solidFill>
+                <a:highlight>
+                  <a:srgbClr val="D4D4D4"/>
+                </a:highlight>
+                <a:latin typeface="Consolas"/>
+              </a:rPr>
+              <a:t>ExchangeCodec</a:t>
+            </a:r>
+            <a:r>
+              <a:rPr lang="en-US" altLang="zh-CN" dirty="0">
+                <a:solidFill>
+                  <a:srgbClr val="000000"/>
+                </a:solidFill>
+                <a:highlight>
+                  <a:srgbClr val="D4D4D4"/>
+                </a:highlight>
+                <a:latin typeface="Consolas"/>
+              </a:rPr>
+              <a:t>)</a:t>
+            </a:r>
+            <a:r>
+              <a:rPr lang="zh-CN" altLang="en-US" dirty="0" smtClean="0"/>
+              <a:t>方法进行编码</a:t>
+            </a:r>
+            <a:endParaRPr lang="en-US" altLang="zh-CN" dirty="0" smtClean="0"/>
+          </a:p>
+          <a:p>
+            <a:r>
+              <a:rPr lang="en-US" altLang="zh-CN" dirty="0" err="1">
+                <a:solidFill>
+                  <a:srgbClr val="000000"/>
+                </a:solidFill>
+                <a:highlight>
+                  <a:srgbClr val="E8F2FE"/>
+                </a:highlight>
+                <a:latin typeface="Consolas"/>
+              </a:rPr>
+              <a:t>DubboCodec</a:t>
+            </a:r>
+            <a:r>
+              <a:rPr lang="zh-CN" altLang="en-US" dirty="0" smtClean="0"/>
+              <a:t>通过</a:t>
+            </a:r>
+            <a:r>
+              <a:rPr lang="en-US" altLang="zh-CN" dirty="0" err="1">
+                <a:solidFill>
+                  <a:srgbClr val="000000"/>
+                </a:solidFill>
+                <a:highlight>
+                  <a:srgbClr val="D4D4D4"/>
+                </a:highlight>
+                <a:latin typeface="Consolas"/>
+              </a:rPr>
+              <a:t>NettyCodecAdapter</a:t>
+            </a:r>
+            <a:r>
+              <a:rPr lang="zh-CN" altLang="en-US" dirty="0" smtClean="0"/>
+              <a:t>与</a:t>
+            </a:r>
+            <a:r>
+              <a:rPr lang="en-US" altLang="zh-CN" dirty="0" err="1" smtClean="0"/>
+              <a:t>netty</a:t>
+            </a:r>
+            <a:r>
+              <a:rPr lang="zh-CN" altLang="en-US" dirty="0"/>
+              <a:t>自</a:t>
+            </a:r>
+            <a:r>
+              <a:rPr lang="zh-CN" altLang="en-US" dirty="0" smtClean="0"/>
+              <a:t>身机制对接，通过</a:t>
+            </a:r>
+            <a:r>
+              <a:rPr lang="en-US" altLang="zh-CN" dirty="0" err="1" smtClean="0"/>
+              <a:t>netty</a:t>
+            </a:r>
+            <a:r>
+              <a:rPr lang="zh-CN" altLang="en-US" dirty="0" smtClean="0"/>
+              <a:t>的</a:t>
+            </a:r>
+            <a:r>
+              <a:rPr lang="en-US" altLang="zh-CN" u="sng" dirty="0" err="1"/>
+              <a:t>ChannelPipeline</a:t>
+            </a:r>
+            <a:r>
+              <a:rPr lang="zh-CN" altLang="en-US" dirty="0" smtClean="0"/>
+              <a:t>增加</a:t>
+            </a:r>
+            <a:r>
+              <a:rPr lang="en-US" altLang="zh-CN" dirty="0" smtClean="0"/>
+              <a:t>decoder</a:t>
+            </a:r>
+            <a:r>
+              <a:rPr lang="zh-CN" altLang="en-US" dirty="0" smtClean="0"/>
+              <a:t>，</a:t>
+            </a:r>
+            <a:r>
+              <a:rPr lang="en-US" altLang="zh-CN" dirty="0" smtClean="0"/>
+              <a:t>encoder</a:t>
+            </a:r>
+            <a:endParaRPr lang="zh-CN" altLang="en-US" dirty="0"/>
+          </a:p>
+        </p:txBody>
+      </p:sp>
+      <p:sp>
+        <p:nvSpPr>
+          <p:cNvPr id="4" name="日期占位符 3"/>
+          <p:cNvSpPr>
+            <a:spLocks noGrp="1"/>
+          </p:cNvSpPr>
+          <p:nvPr>
+            <p:ph type="dt" sz="half" idx="10"/>
+          </p:nvPr>
+        </p:nvSpPr>
+        <p:spPr/>
+        <p:txBody>
+          <a:bodyPr/>
+          <a:lstStyle/>
+          <a:p>
+            <a:fld id="{B34AA640-87DE-403B-AC78-F6FEE0B57B5D}" type="datetime1">
+              <a:rPr lang="zh-CN" altLang="en-US" smtClean="0"/>
+              <a:t>2016/9/7</a:t>
+            </a:fld>
+            <a:endParaRPr lang="zh-CN" altLang="en-US"/>
+          </a:p>
+        </p:txBody>
+      </p:sp>
+      <p:sp>
+        <p:nvSpPr>
+          <p:cNvPr id="5" name="灯片编号占位符 4"/>
+          <p:cNvSpPr>
+            <a:spLocks noGrp="1"/>
+          </p:cNvSpPr>
+          <p:nvPr>
+            <p:ph type="sldNum" sz="quarter" idx="12"/>
+          </p:nvPr>
+        </p:nvSpPr>
+        <p:spPr/>
+        <p:txBody>
+          <a:bodyPr/>
+          <a:lstStyle/>
+          <a:p>
+            <a:fld id="{0C913308-F349-4B6D-A68A-DD1791B4A57B}" type="slidenum">
+              <a:rPr lang="zh-CN" altLang="en-US" smtClean="0"/>
+              <a:t>9</a:t>
+            </a:fld>
+            <a:endParaRPr lang="zh-CN" altLang="en-US"/>
+          </a:p>
+        </p:txBody>
+      </p:sp>
+    </p:spTree>
+    <p:extLst>
+      <p:ext uri="{BB962C8B-B14F-4D97-AF65-F5344CB8AC3E}">
+        <p14:creationId xmlns:p14="http://schemas.microsoft.com/office/powerpoint/2010/main" val="2011338000"/>
+      </p:ext>
+    </p:extLst>
+  </p:cSld>
+  <p:clrMapOvr>
+    <a:masterClrMapping/>
+  </p:clrMapOvr>
+  <p:timing>
+    <p:tnLst>
+      <p:par>
+        <p:cTn id="1" dur="indefinite" restart="never" nodeType="tmRoot"/>
+      </p:par>
+    </p:tnLst>
+  </p:timing>
 </p:sld>
 </file>
 

--- a/04.dubbo_demo/document/dubbo源码分析2-refreence bean发起调用.pptx
+++ b/04.dubbo_demo/document/dubbo源码分析2-refreence bean发起调用.pptx
@@ -5,10 +5,10 @@
     <p:sldMasterId id="2147483648" r:id="rId1"/>
   </p:sldMasterIdLst>
   <p:notesMasterIdLst>
-    <p:notesMasterId r:id="rId19"/>
+    <p:notesMasterId r:id="rId18"/>
   </p:notesMasterIdLst>
   <p:handoutMasterIdLst>
-    <p:handoutMasterId r:id="rId20"/>
+    <p:handoutMasterId r:id="rId19"/>
   </p:handoutMasterIdLst>
   <p:sldIdLst>
     <p:sldId id="258" r:id="rId2"/>
@@ -27,7 +27,6 @@
     <p:sldId id="282" r:id="rId15"/>
     <p:sldId id="272" r:id="rId16"/>
     <p:sldId id="273" r:id="rId17"/>
-    <p:sldId id="271" r:id="rId18"/>
   </p:sldIdLst>
   <p:sldSz cx="9144000" cy="6858000" type="screen4x3"/>
   <p:notesSz cx="6858000" cy="9144000"/>
@@ -3871,11 +3870,7 @@
             </a:r>
             <a:r>
               <a:rPr lang="zh-CN" altLang="en-US" dirty="0" smtClean="0"/>
-              <a:t>码后的数据大小 编码性</a:t>
-            </a:r>
-            <a:r>
-              <a:rPr lang="zh-CN" altLang="en-US" dirty="0" smtClean="0"/>
-              <a:t>能</a:t>
+              <a:t>码后的数据大小 编码性能</a:t>
             </a:r>
             <a:endParaRPr lang="en-US" altLang="zh-CN" dirty="0" smtClean="0"/>
           </a:p>
@@ -3988,11 +3983,7 @@
             </a:r>
             <a:r>
               <a:rPr lang="zh-CN" altLang="en-US" dirty="0" smtClean="0"/>
-              <a:t>用的请求如何编</a:t>
-            </a:r>
-            <a:r>
-              <a:rPr lang="zh-CN" altLang="en-US" dirty="0" smtClean="0"/>
-              <a:t>码</a:t>
+              <a:t>用的请求如何编码</a:t>
             </a:r>
             <a:r>
               <a:rPr lang="en-US" altLang="zh-CN" dirty="0"/>
@@ -4468,8 +4459,12 @@
               <a:t>(</a:t>
             </a:r>
             <a:r>
-              <a:rPr lang="zh-CN" altLang="en-US" dirty="0" smtClean="0"/>
-              <a:t>请求解码</a:t>
+              <a:rPr lang="zh-CN" altLang="en-US" dirty="0"/>
+              <a:t>请</a:t>
+            </a:r>
+            <a:r>
+              <a:rPr lang="zh-CN" altLang="en-US" dirty="0" smtClean="0"/>
+              <a:t>求编码</a:t>
             </a:r>
             <a:r>
               <a:rPr lang="en-US" altLang="zh-CN" dirty="0" smtClean="0"/>
@@ -4740,7 +4735,9 @@
         </p:nvSpPr>
         <p:spPr/>
         <p:txBody>
-          <a:bodyPr/>
+          <a:bodyPr>
+            <a:normAutofit lnSpcReduction="10000"/>
+          </a:bodyPr>
           <a:lstStyle/>
           <a:p>
             <a:r>
@@ -4773,7 +4770,145 @@
             </a:r>
             <a:r>
               <a:rPr lang="zh-CN" altLang="en-US" dirty="0" smtClean="0"/>
-              <a:t>做了等待</a:t>
+              <a:t>做了等</a:t>
+            </a:r>
+            <a:r>
+              <a:rPr lang="zh-CN" altLang="en-US" dirty="0" smtClean="0"/>
+              <a:t>待</a:t>
+            </a:r>
+            <a:endParaRPr lang="en-US" altLang="zh-CN" dirty="0" smtClean="0"/>
+          </a:p>
+          <a:p>
+            <a:pPr lvl="1"/>
+            <a:endParaRPr lang="en-US" altLang="zh-CN" dirty="0"/>
+          </a:p>
+          <a:p>
+            <a:pPr lvl="1"/>
+            <a:endParaRPr lang="en-US" altLang="zh-CN" dirty="0" smtClean="0"/>
+          </a:p>
+          <a:p>
+            <a:pPr lvl="1"/>
+            <a:endParaRPr lang="en-US" altLang="zh-CN" dirty="0"/>
+          </a:p>
+          <a:p>
+            <a:pPr lvl="1"/>
+            <a:r>
+              <a:rPr lang="en-US" altLang="zh-CN" dirty="0" smtClean="0"/>
+              <a:t>Condition await (</a:t>
+            </a:r>
+            <a:r>
+              <a:rPr lang="zh-CN" altLang="en-US" dirty="0" smtClean="0"/>
+              <a:t>支持超时</a:t>
+            </a:r>
+            <a:r>
+              <a:rPr lang="en-US" altLang="zh-CN" dirty="0" smtClean="0"/>
+              <a:t>) / signal</a:t>
+            </a:r>
+          </a:p>
+          <a:p>
+            <a:r>
+              <a:rPr lang="en-US" altLang="zh-CN" sz="1900" dirty="0" err="1">
+                <a:solidFill>
+                  <a:srgbClr val="000000"/>
+                </a:solidFill>
+                <a:highlight>
+                  <a:srgbClr val="E8F2FE"/>
+                </a:highlight>
+                <a:latin typeface="Consolas"/>
+              </a:rPr>
+              <a:t>DefaultFuture</a:t>
+            </a:r>
+            <a:r>
+              <a:rPr lang="en-US" altLang="zh-CN" sz="1900" dirty="0">
+                <a:solidFill>
+                  <a:srgbClr val="000000"/>
+                </a:solidFill>
+                <a:highlight>
+                  <a:srgbClr val="E8F2FE"/>
+                </a:highlight>
+                <a:latin typeface="Consolas"/>
+              </a:rPr>
+              <a:t> future = </a:t>
+            </a:r>
+            <a:r>
+              <a:rPr lang="en-US" altLang="zh-CN" sz="1900" i="1" dirty="0" err="1">
+                <a:solidFill>
+                  <a:srgbClr val="0000C0"/>
+                </a:solidFill>
+                <a:highlight>
+                  <a:srgbClr val="E8F2FE"/>
+                </a:highlight>
+                <a:latin typeface="Consolas"/>
+              </a:rPr>
+              <a:t>FUTURES</a:t>
+            </a:r>
+            <a:r>
+              <a:rPr lang="en-US" altLang="zh-CN" sz="1900" i="1" dirty="0" err="1">
+                <a:solidFill>
+                  <a:srgbClr val="000000"/>
+                </a:solidFill>
+                <a:highlight>
+                  <a:srgbClr val="E8F2FE"/>
+                </a:highlight>
+                <a:latin typeface="Consolas"/>
+              </a:rPr>
+              <a:t>.remove</a:t>
+            </a:r>
+            <a:r>
+              <a:rPr lang="en-US" altLang="zh-CN" sz="1900" i="1" dirty="0">
+                <a:solidFill>
+                  <a:srgbClr val="000000"/>
+                </a:solidFill>
+                <a:highlight>
+                  <a:srgbClr val="E8F2FE"/>
+                </a:highlight>
+                <a:latin typeface="Consolas"/>
+              </a:rPr>
+              <a:t>(</a:t>
+            </a:r>
+            <a:r>
+              <a:rPr lang="en-US" altLang="zh-CN" sz="1900" i="1" dirty="0" err="1">
+                <a:solidFill>
+                  <a:srgbClr val="000000"/>
+                </a:solidFill>
+                <a:highlight>
+                  <a:srgbClr val="D4D4D4"/>
+                </a:highlight>
+                <a:latin typeface="Consolas"/>
+              </a:rPr>
+              <a:t>response</a:t>
+            </a:r>
+            <a:r>
+              <a:rPr lang="en-US" altLang="zh-CN" sz="1900" i="1" dirty="0" err="1">
+                <a:solidFill>
+                  <a:srgbClr val="000000"/>
+                </a:solidFill>
+                <a:highlight>
+                  <a:srgbClr val="E8F2FE"/>
+                </a:highlight>
+                <a:latin typeface="Consolas"/>
+              </a:rPr>
+              <a:t>.getId</a:t>
+            </a:r>
+            <a:r>
+              <a:rPr lang="en-US" altLang="zh-CN" sz="1900" i="1" dirty="0">
+                <a:solidFill>
+                  <a:srgbClr val="000000"/>
+                </a:solidFill>
+                <a:highlight>
+                  <a:srgbClr val="E8F2FE"/>
+                </a:highlight>
+                <a:latin typeface="Consolas"/>
+              </a:rPr>
+              <a:t>());</a:t>
+            </a:r>
+            <a:r>
+              <a:rPr lang="en-US" altLang="zh-CN" dirty="0" smtClean="0"/>
+              <a:t>Id </a:t>
+            </a:r>
+            <a:r>
+              <a:rPr lang="zh-CN" altLang="en-US" dirty="0" smtClean="0"/>
+              <a:t>维护的规则是什么</a:t>
             </a:r>
             <a:endParaRPr lang="en-US" altLang="zh-CN" dirty="0" smtClean="0"/>
           </a:p>
@@ -4854,7 +4989,7 @@
         </p:blipFill>
         <p:spPr bwMode="auto">
           <a:xfrm>
-            <a:off x="323529" y="3429001"/>
+            <a:off x="323529" y="3068960"/>
             <a:ext cx="8496944" cy="1234534"/>
           </a:xfrm>
           <a:prstGeom prst="rect">
@@ -5361,135 +5496,6 @@
     <p:extLst>
       <p:ext uri="{BB962C8B-B14F-4D97-AF65-F5344CB8AC3E}">
         <p14:creationId xmlns:p14="http://schemas.microsoft.com/office/powerpoint/2010/main" val="1469404883"/>
-      </p:ext>
-    </p:extLst>
-  </p:cSld>
-  <p:clrMapOvr>
-    <a:masterClrMapping/>
-  </p:clrMapOvr>
-  <p:timing>
-    <p:tnLst>
-      <p:par>
-        <p:cTn id="1" dur="indefinite" restart="never" nodeType="tmRoot"/>
-      </p:par>
-    </p:tnLst>
-  </p:timing>
-</p:sld>
-</file>
-
-<file path=ppt/slides/slide17.xml><?xml version="1.0" encoding="utf-8"?>
-<p:sld xmlns:a="http://schemas.openxmlformats.org/drawingml/2006/main" xmlns:r="http://schemas.openxmlformats.org/officeDocument/2006/relationships" xmlns:p="http://schemas.openxmlformats.org/presentationml/2006/main">
-  <p:cSld>
-    <p:spTree>
-      <p:nvGrpSpPr>
-        <p:cNvPr id="1" name=""/>
-        <p:cNvGrpSpPr/>
-        <p:nvPr/>
-      </p:nvGrpSpPr>
-      <p:grpSpPr>
-        <a:xfrm>
-          <a:off x="0" y="0"/>
-          <a:ext cx="0" cy="0"/>
-          <a:chOff x="0" y="0"/>
-          <a:chExt cx="0" cy="0"/>
-        </a:xfrm>
-      </p:grpSpPr>
-      <p:sp>
-        <p:nvSpPr>
-          <p:cNvPr id="2" name="标题 1"/>
-          <p:cNvSpPr>
-            <a:spLocks noGrp="1"/>
-          </p:cNvSpPr>
-          <p:nvPr>
-            <p:ph type="title"/>
-          </p:nvPr>
-        </p:nvSpPr>
-        <p:spPr/>
-        <p:txBody>
-          <a:bodyPr/>
-          <a:lstStyle/>
-          <a:p>
-            <a:r>
-              <a:rPr lang="zh-CN" altLang="en-US" dirty="0"/>
-              <a:t>比较</a:t>
-            </a:r>
-            <a:r>
-              <a:rPr lang="zh-CN" altLang="en-US" dirty="0" smtClean="0"/>
-              <a:t>直连、注册中心调用差异</a:t>
-            </a:r>
-            <a:endParaRPr lang="zh-CN" altLang="en-US" dirty="0"/>
-          </a:p>
-        </p:txBody>
-      </p:sp>
-      <p:sp>
-        <p:nvSpPr>
-          <p:cNvPr id="3" name="内容占位符 2"/>
-          <p:cNvSpPr>
-            <a:spLocks noGrp="1"/>
-          </p:cNvSpPr>
-          <p:nvPr>
-            <p:ph idx="1"/>
-          </p:nvPr>
-        </p:nvSpPr>
-        <p:spPr/>
-        <p:txBody>
-          <a:bodyPr/>
-          <a:lstStyle/>
-          <a:p>
-            <a:endParaRPr lang="zh-CN" altLang="en-US"/>
-          </a:p>
-        </p:txBody>
-      </p:sp>
-      <p:sp>
-        <p:nvSpPr>
-          <p:cNvPr id="4" name="日期占位符 3"/>
-          <p:cNvSpPr>
-            <a:spLocks noGrp="1"/>
-          </p:cNvSpPr>
-          <p:nvPr>
-            <p:ph type="dt" sz="half" idx="10"/>
-          </p:nvPr>
-        </p:nvSpPr>
-        <p:spPr/>
-        <p:txBody>
-          <a:bodyPr/>
-          <a:lstStyle/>
-          <a:p>
-            <a:fld id="{B34AA640-87DE-403B-AC78-F6FEE0B57B5D}" type="datetime1">
-              <a:rPr lang="zh-CN" altLang="en-US" smtClean="0"/>
-              <a:t>2016/9/7</a:t>
-            </a:fld>
-            <a:endParaRPr lang="zh-CN" altLang="en-US"/>
-          </a:p>
-        </p:txBody>
-      </p:sp>
-      <p:sp>
-        <p:nvSpPr>
-          <p:cNvPr id="5" name="灯片编号占位符 4"/>
-          <p:cNvSpPr>
-            <a:spLocks noGrp="1"/>
-          </p:cNvSpPr>
-          <p:nvPr>
-            <p:ph type="sldNum" sz="quarter" idx="12"/>
-          </p:nvPr>
-        </p:nvSpPr>
-        <p:spPr/>
-        <p:txBody>
-          <a:bodyPr/>
-          <a:lstStyle/>
-          <a:p>
-            <a:fld id="{0C913308-F349-4B6D-A68A-DD1791B4A57B}" type="slidenum">
-              <a:rPr lang="zh-CN" altLang="en-US" smtClean="0"/>
-              <a:t>17</a:t>
-            </a:fld>
-            <a:endParaRPr lang="zh-CN" altLang="en-US"/>
-          </a:p>
-        </p:txBody>
-      </p:sp>
-    </p:spTree>
-    <p:extLst>
-      <p:ext uri="{BB962C8B-B14F-4D97-AF65-F5344CB8AC3E}">
-        <p14:creationId xmlns:p14="http://schemas.microsoft.com/office/powerpoint/2010/main" val="536364316"/>
       </p:ext>
     </p:extLst>
   </p:cSld>
